--- a/example/learnscons/learnscons.pptx
+++ b/example/learnscons/learnscons.pptx
@@ -19,7 +19,21 @@
     <p:sldId id="268" r:id="rId13"/>
     <p:sldId id="269" r:id="rId14"/>
     <p:sldId id="270" r:id="rId15"/>
-    <p:sldId id="267" r:id="rId16"/>
+    <p:sldId id="271" r:id="rId16"/>
+    <p:sldId id="272" r:id="rId17"/>
+    <p:sldId id="273" r:id="rId18"/>
+    <p:sldId id="274" r:id="rId19"/>
+    <p:sldId id="276" r:id="rId20"/>
+    <p:sldId id="277" r:id="rId21"/>
+    <p:sldId id="275" r:id="rId22"/>
+    <p:sldId id="278" r:id="rId23"/>
+    <p:sldId id="279" r:id="rId24"/>
+    <p:sldId id="280" r:id="rId25"/>
+    <p:sldId id="281" r:id="rId26"/>
+    <p:sldId id="282" r:id="rId27"/>
+    <p:sldId id="283" r:id="rId28"/>
+    <p:sldId id="284" r:id="rId29"/>
+    <p:sldId id="267" r:id="rId30"/>
   </p:sldIdLst>
   <p:sldSz cx="12192000" cy="6858000"/>
   <p:notesSz cx="6858000" cy="9144000"/>
@@ -118,6 +132,11 @@
       </a:defRPr>
     </a:lvl9pPr>
   </p:defaultTextStyle>
+  <p:extLst>
+    <p:ext uri="{EFAFB233-063F-42B5-8137-9DF3F51BA10A}">
+      <p15:sldGuideLst xmlns:p15="http://schemas.microsoft.com/office/powerpoint/2012/main"/>
+    </p:ext>
+  </p:extLst>
 </p:presentation>
 </file>
 
@@ -3858,7 +3877,11 @@
           <a:bodyPr/>
           <a:lstStyle/>
           <a:p>
-            <a:endParaRPr lang="zh-CN" altLang="en-US"/>
+            <a:r>
+              <a:rPr lang="en-US" altLang="zh-CN" dirty="0" err="1" smtClean="0"/>
+              <a:t>StaticLibrary</a:t>
+            </a:r>
+            <a:endParaRPr lang="zh-CN" altLang="en-US" dirty="0"/>
           </a:p>
         </p:txBody>
       </p:sp>
@@ -3877,7 +3900,48 @@
           <a:bodyPr/>
           <a:lstStyle/>
           <a:p>
-            <a:endParaRPr lang="zh-CN" altLang="en-US"/>
+            <a:r>
+              <a:rPr lang="zh-CN" altLang="en-US" dirty="0" smtClean="0"/>
+              <a:t>用法和</a:t>
+            </a:r>
+            <a:r>
+              <a:rPr lang="en-US" altLang="zh-CN" dirty="0" smtClean="0"/>
+              <a:t>Library</a:t>
+            </a:r>
+            <a:r>
+              <a:rPr lang="zh-CN" altLang="en-US" dirty="0" smtClean="0"/>
+              <a:t>一样</a:t>
+            </a:r>
+            <a:endParaRPr lang="en-US" altLang="zh-CN" dirty="0" smtClean="0"/>
+          </a:p>
+          <a:p>
+            <a:r>
+              <a:rPr lang="zh-CN" altLang="en-US" dirty="0" smtClean="0"/>
+              <a:t>和</a:t>
+            </a:r>
+            <a:r>
+              <a:rPr lang="en-US" altLang="zh-CN" dirty="0" smtClean="0"/>
+              <a:t>Library</a:t>
+            </a:r>
+            <a:r>
+              <a:rPr lang="zh-CN" altLang="en-US" dirty="0" smtClean="0"/>
+              <a:t>没有区别只是显式的创建静态库</a:t>
+            </a:r>
+            <a:endParaRPr lang="en-US" altLang="zh-CN" dirty="0" smtClean="0"/>
+          </a:p>
+          <a:p>
+            <a:r>
+              <a:rPr lang="en-US" altLang="zh-CN" dirty="0" smtClean="0"/>
+              <a:t>Library</a:t>
+            </a:r>
+            <a:r>
+              <a:rPr lang="zh-CN" altLang="en-US" dirty="0" smtClean="0"/>
+              <a:t>默认创建的为静态库</a:t>
+            </a:r>
+            <a:endParaRPr lang="en-US" altLang="zh-CN" dirty="0" smtClean="0"/>
+          </a:p>
+          <a:p>
+            <a:endParaRPr lang="zh-CN" altLang="en-US" dirty="0"/>
           </a:p>
         </p:txBody>
       </p:sp>
@@ -3927,8 +3991,8 @@
           <a:lstStyle/>
           <a:p>
             <a:r>
-              <a:rPr lang="zh-CN" altLang="en-US" dirty="0" smtClean="0"/>
-              <a:t>语法糖</a:t>
+              <a:rPr lang="en-US" altLang="zh-CN" dirty="0" err="1" smtClean="0"/>
+              <a:t>SharedLibrary</a:t>
             </a:r>
             <a:endParaRPr lang="zh-CN" altLang="en-US" dirty="0"/>
           </a:p>
@@ -3944,32 +4008,169 @@
             <p:ph idx="1"/>
           </p:nvPr>
         </p:nvSpPr>
-        <p:spPr/>
-        <p:txBody>
-          <a:bodyPr/>
-          <a:lstStyle/>
-          <a:p>
-            <a:r>
-              <a:rPr lang="en-US" altLang="zh-CN" dirty="0" err="1" smtClean="0"/>
-              <a:t>Glob:glob.glob</a:t>
-            </a:r>
-            <a:r>
-              <a:rPr lang="en-US" altLang="zh-CN" dirty="0" smtClean="0"/>
-              <a:t>()</a:t>
-            </a:r>
-          </a:p>
-          <a:p>
-            <a:r>
-              <a:rPr lang="en-US" altLang="zh-CN" dirty="0" smtClean="0"/>
-              <a:t>Split :</a:t>
-            </a:r>
-            <a:r>
-              <a:rPr lang="en-US" altLang="zh-CN" dirty="0" err="1" smtClean="0"/>
-              <a:t>str.split</a:t>
-            </a:r>
-            <a:r>
-              <a:rPr lang="en-US" altLang="zh-CN" dirty="0" smtClean="0"/>
-              <a:t>()</a:t>
+        <p:spPr>
+          <a:xfrm>
+            <a:off x="838200" y="1825625"/>
+            <a:ext cx="10515600" cy="1466215"/>
+          </a:xfrm>
+        </p:spPr>
+        <p:txBody>
+          <a:bodyPr>
+            <a:normAutofit fontScale="85000" lnSpcReduction="20000"/>
+          </a:bodyPr>
+          <a:lstStyle/>
+          <a:p>
+            <a:r>
+              <a:rPr lang="zh-CN" altLang="en-US" dirty="0" smtClean="0"/>
+              <a:t>动态库，和</a:t>
+            </a:r>
+            <a:r>
+              <a:rPr lang="en-US" altLang="zh-CN" dirty="0" smtClean="0"/>
+              <a:t>Library</a:t>
+            </a:r>
+            <a:r>
+              <a:rPr lang="zh-CN" altLang="en-US" dirty="0" smtClean="0"/>
+              <a:t>用法相同</a:t>
+            </a:r>
+            <a:endParaRPr lang="en-US" altLang="zh-CN" dirty="0" smtClean="0"/>
+          </a:p>
+          <a:p>
+            <a:r>
+              <a:rPr lang="zh-CN" altLang="en-US" dirty="0" smtClean="0"/>
+              <a:t>动态库的目录可以通过</a:t>
+            </a:r>
+            <a:endParaRPr lang="en-US" altLang="zh-CN" dirty="0" smtClean="0"/>
+          </a:p>
+          <a:p>
+            <a:pPr lvl="1"/>
+            <a:r>
+              <a:rPr lang="en-US" altLang="zh-CN" dirty="0"/>
+              <a:t>export LD_LIBRARY_PATH=./</a:t>
+            </a:r>
+            <a:r>
+              <a:rPr lang="en-US" altLang="zh-CN" dirty="0" smtClean="0"/>
+              <a:t>lib</a:t>
+            </a:r>
+            <a:r>
+              <a:rPr lang="zh-CN" altLang="en-US" dirty="0" smtClean="0"/>
+              <a:t>的目录</a:t>
+            </a:r>
+            <a:r>
+              <a:rPr lang="en-US" altLang="zh-CN" dirty="0" smtClean="0"/>
+              <a:t>:$LD_LIBRARY_PATH</a:t>
+            </a:r>
+            <a:endParaRPr lang="en-US" altLang="zh-CN" dirty="0"/>
+          </a:p>
+          <a:p>
+            <a:r>
+              <a:rPr lang="zh-CN" altLang="en-US" dirty="0" smtClean="0"/>
+              <a:t>测例</a:t>
+            </a:r>
+            <a:r>
+              <a:rPr lang="en-US" altLang="zh-CN" dirty="0" smtClean="0"/>
+              <a:t>test05</a:t>
+            </a:r>
+          </a:p>
+          <a:p>
+            <a:endParaRPr lang="zh-CN" altLang="en-US" dirty="0"/>
+          </a:p>
+        </p:txBody>
+      </p:sp>
+      <p:sp>
+        <p:nvSpPr>
+          <p:cNvPr id="4" name="文本框 3"/>
+          <p:cNvSpPr txBox="1"/>
+          <p:nvPr/>
+        </p:nvSpPr>
+        <p:spPr>
+          <a:xfrm>
+            <a:off x="1127760" y="3548697"/>
+            <a:ext cx="4541520" cy="1200329"/>
+          </a:xfrm>
+          <a:prstGeom prst="rect">
+            <a:avLst/>
+          </a:prstGeom>
+          <a:noFill/>
+        </p:spPr>
+        <p:txBody>
+          <a:bodyPr wrap="square" rtlCol="0">
+            <a:spAutoFit/>
+          </a:bodyPr>
+          <a:lstStyle/>
+          <a:p>
+            <a:r>
+              <a:rPr lang="en-US" altLang="zh-CN" dirty="0" err="1" smtClean="0"/>
+              <a:t>SharedLibrary</a:t>
+            </a:r>
+            <a:r>
+              <a:rPr lang="en-US" altLang="zh-CN" dirty="0"/>
+              <a:t>('</a:t>
+            </a:r>
+            <a:r>
+              <a:rPr lang="en-US" altLang="zh-CN" dirty="0" err="1"/>
+              <a:t>sayhello</a:t>
+            </a:r>
+            <a:r>
+              <a:rPr lang="en-US" altLang="zh-CN" dirty="0"/>
+              <a:t>', </a:t>
+            </a:r>
+            <a:r>
+              <a:rPr lang="en-US" altLang="zh-CN" dirty="0" smtClean="0"/>
+              <a:t>Glob(</a:t>
+            </a:r>
+            <a:r>
+              <a:rPr lang="en-US" altLang="zh-CN" dirty="0"/>
+              <a:t>'say*.c'))</a:t>
+            </a:r>
+          </a:p>
+          <a:p>
+            <a:r>
+              <a:rPr lang="en-US" altLang="zh-CN" dirty="0"/>
+              <a:t>Program(target = '</a:t>
+            </a:r>
+            <a:r>
+              <a:rPr lang="en-US" altLang="zh-CN" dirty="0" err="1"/>
+              <a:t>sayhello</a:t>
+            </a:r>
+            <a:r>
+              <a:rPr lang="en-US" altLang="zh-CN" dirty="0"/>
+              <a:t>', </a:t>
+            </a:r>
+          </a:p>
+          <a:p>
+            <a:r>
+              <a:rPr lang="en-US" altLang="zh-CN" dirty="0"/>
+              <a:t>        source = ['</a:t>
+            </a:r>
+            <a:r>
+              <a:rPr lang="en-US" altLang="zh-CN" dirty="0" err="1"/>
+              <a:t>main.c</a:t>
+            </a:r>
+            <a:r>
+              <a:rPr lang="en-US" altLang="zh-CN" dirty="0"/>
+              <a:t>'], </a:t>
+            </a:r>
+          </a:p>
+          <a:p>
+            <a:r>
+              <a:rPr lang="en-US" altLang="zh-CN" dirty="0"/>
+              <a:t>        </a:t>
+            </a:r>
+            <a:r>
+              <a:rPr lang="en-US" altLang="zh-CN" dirty="0" err="1"/>
+              <a:t>parse_flags</a:t>
+            </a:r>
+            <a:r>
+              <a:rPr lang="en-US" altLang="zh-CN" dirty="0"/>
+              <a:t> = "-L ./ -</a:t>
+            </a:r>
+            <a:r>
+              <a:rPr lang="en-US" altLang="zh-CN" dirty="0" err="1"/>
+              <a:t>lsayhello</a:t>
+            </a:r>
+            <a:r>
+              <a:rPr lang="en-US" altLang="zh-CN" dirty="0"/>
+              <a:t>")</a:t>
             </a:r>
             <a:endParaRPr lang="zh-CN" altLang="en-US" dirty="0"/>
           </a:p>
@@ -3978,7 +4179,807 @@
     </p:spTree>
     <p:extLst>
       <p:ext uri="{BB962C8B-B14F-4D97-AF65-F5344CB8AC3E}">
-        <p14:creationId xmlns:p14="http://schemas.microsoft.com/office/powerpoint/2010/main" val="3866608108"/>
+        <p14:creationId xmlns:p14="http://schemas.microsoft.com/office/powerpoint/2010/main" val="2749662705"/>
+      </p:ext>
+    </p:extLst>
+  </p:cSld>
+  <p:clrMapOvr>
+    <a:masterClrMapping/>
+  </p:clrMapOvr>
+</p:sld>
+</file>
+
+<file path=ppt/slides/slide16.xml><?xml version="1.0" encoding="utf-8"?>
+<p:sld xmlns:a="http://schemas.openxmlformats.org/drawingml/2006/main" xmlns:r="http://schemas.openxmlformats.org/officeDocument/2006/relationships" xmlns:p="http://schemas.openxmlformats.org/presentationml/2006/main">
+  <p:cSld>
+    <p:spTree>
+      <p:nvGrpSpPr>
+        <p:cNvPr id="1" name=""/>
+        <p:cNvGrpSpPr/>
+        <p:nvPr/>
+      </p:nvGrpSpPr>
+      <p:grpSpPr>
+        <a:xfrm>
+          <a:off x="0" y="0"/>
+          <a:ext cx="0" cy="0"/>
+          <a:chOff x="0" y="0"/>
+          <a:chExt cx="0" cy="0"/>
+        </a:xfrm>
+      </p:grpSpPr>
+      <p:sp>
+        <p:nvSpPr>
+          <p:cNvPr id="2" name="标题 1"/>
+          <p:cNvSpPr>
+            <a:spLocks noGrp="1"/>
+          </p:cNvSpPr>
+          <p:nvPr>
+            <p:ph type="title"/>
+          </p:nvPr>
+        </p:nvSpPr>
+        <p:spPr/>
+        <p:txBody>
+          <a:bodyPr/>
+          <a:lstStyle/>
+          <a:p>
+            <a:r>
+              <a:rPr lang="en-US" altLang="zh-CN" dirty="0" smtClean="0"/>
+              <a:t>Link Library</a:t>
+            </a:r>
+            <a:endParaRPr lang="zh-CN" altLang="en-US" dirty="0"/>
+          </a:p>
+        </p:txBody>
+      </p:sp>
+      <p:sp>
+        <p:nvSpPr>
+          <p:cNvPr id="3" name="内容占位符 2"/>
+          <p:cNvSpPr>
+            <a:spLocks noGrp="1"/>
+          </p:cNvSpPr>
+          <p:nvPr>
+            <p:ph idx="1"/>
+          </p:nvPr>
+        </p:nvSpPr>
+        <p:spPr/>
+        <p:txBody>
+          <a:bodyPr/>
+          <a:lstStyle/>
+          <a:p>
+            <a:r>
+              <a:rPr lang="en-US" altLang="zh-CN" dirty="0" err="1" smtClean="0"/>
+              <a:t>parse_flags</a:t>
+            </a:r>
+            <a:r>
+              <a:rPr lang="en-US" altLang="zh-CN" dirty="0" smtClean="0"/>
+              <a:t>:</a:t>
+            </a:r>
+            <a:r>
+              <a:rPr lang="zh-CN" altLang="en-US" dirty="0" smtClean="0"/>
+              <a:t>类似</a:t>
+            </a:r>
+            <a:r>
+              <a:rPr lang="en-US" altLang="zh-CN" dirty="0" err="1" smtClean="0"/>
+              <a:t>makefile</a:t>
+            </a:r>
+            <a:r>
+              <a:rPr lang="zh-CN" altLang="en-US" dirty="0" smtClean="0"/>
+              <a:t>的方式</a:t>
+            </a:r>
+            <a:endParaRPr lang="en-US" altLang="zh-CN" dirty="0" smtClean="0"/>
+          </a:p>
+          <a:p>
+            <a:pPr lvl="1"/>
+            <a:r>
+              <a:rPr lang="en-US" altLang="zh-CN" dirty="0" smtClean="0"/>
+              <a:t>‘-L. –</a:t>
+            </a:r>
+            <a:r>
+              <a:rPr lang="en-US" altLang="zh-CN" dirty="0" err="1" smtClean="0"/>
+              <a:t>lfoo</a:t>
+            </a:r>
+            <a:r>
+              <a:rPr lang="en-US" altLang="zh-CN" dirty="0" smtClean="0"/>
+              <a:t> –l bar’</a:t>
+            </a:r>
+          </a:p>
+          <a:p>
+            <a:r>
+              <a:rPr lang="en-US" altLang="zh-CN" dirty="0" smtClean="0"/>
+              <a:t>Program(xx, LIBS=[</a:t>
+            </a:r>
+            <a:r>
+              <a:rPr lang="zh-CN" altLang="en-US" dirty="0" smtClean="0"/>
+              <a:t>‘</a:t>
+            </a:r>
+            <a:r>
+              <a:rPr lang="en-US" altLang="zh-CN" dirty="0" smtClean="0"/>
+              <a:t>foo</a:t>
+            </a:r>
+            <a:r>
+              <a:rPr lang="zh-CN" altLang="en-US" dirty="0" smtClean="0"/>
+              <a:t>’</a:t>
+            </a:r>
+            <a:r>
+              <a:rPr lang="en-US" altLang="zh-CN" dirty="0" smtClean="0"/>
+              <a:t>, ‘bar’], LIBPATH=[‘.’, ‘./lib’])</a:t>
+            </a:r>
+          </a:p>
+          <a:p>
+            <a:r>
+              <a:rPr lang="zh-CN" altLang="en-US" dirty="0"/>
+              <a:t>不</a:t>
+            </a:r>
+            <a:r>
+              <a:rPr lang="zh-CN" altLang="en-US" dirty="0" smtClean="0"/>
+              <a:t>需要加前缀和后缀。</a:t>
+            </a:r>
+            <a:endParaRPr lang="en-US" altLang="zh-CN" dirty="0" smtClean="0"/>
+          </a:p>
+          <a:p>
+            <a:pPr lvl="1"/>
+            <a:r>
+              <a:rPr lang="en-US" altLang="zh-CN" dirty="0" err="1"/>
+              <a:t>l</a:t>
+            </a:r>
+            <a:r>
+              <a:rPr lang="en-US" altLang="zh-CN" dirty="0" err="1" smtClean="0"/>
+              <a:t>ibfoo.a</a:t>
+            </a:r>
+            <a:r>
+              <a:rPr lang="en-US" altLang="zh-CN" dirty="0" smtClean="0"/>
+              <a:t>, libfoo.so</a:t>
+            </a:r>
+            <a:r>
+              <a:rPr lang="zh-CN" altLang="en-US" dirty="0"/>
+              <a:t>只需</a:t>
+            </a:r>
+            <a:r>
+              <a:rPr lang="zh-CN" altLang="en-US" dirty="0" smtClean="0"/>
+              <a:t>要写</a:t>
+            </a:r>
+            <a:r>
+              <a:rPr lang="en-US" altLang="zh-CN" dirty="0" smtClean="0"/>
+              <a:t>foo</a:t>
+            </a:r>
+          </a:p>
+          <a:p>
+            <a:r>
+              <a:rPr lang="en-US" altLang="zh-CN" dirty="0" smtClean="0"/>
+              <a:t>LIBPATH</a:t>
+            </a:r>
+            <a:r>
+              <a:rPr lang="zh-CN" altLang="en-US" dirty="0" smtClean="0"/>
+              <a:t>也可以是类似</a:t>
+            </a:r>
+            <a:r>
+              <a:rPr lang="en-US" altLang="zh-CN" dirty="0" smtClean="0"/>
+              <a:t>PATH</a:t>
+            </a:r>
+            <a:r>
+              <a:rPr lang="zh-CN" altLang="en-US" dirty="0" smtClean="0"/>
+              <a:t>的字符串</a:t>
+            </a:r>
+            <a:endParaRPr lang="en-US" altLang="zh-CN" dirty="0" smtClean="0"/>
+          </a:p>
+          <a:p>
+            <a:pPr lvl="1"/>
+            <a:r>
+              <a:rPr lang="en-US" altLang="zh-CN" dirty="0" err="1" smtClean="0"/>
+              <a:t>Eg.LIBPATH</a:t>
+            </a:r>
+            <a:r>
+              <a:rPr lang="en-US" altLang="zh-CN" dirty="0" smtClean="0"/>
+              <a:t> = ’/</a:t>
+            </a:r>
+            <a:r>
+              <a:rPr lang="en-US" altLang="zh-CN" dirty="0" err="1" smtClean="0"/>
+              <a:t>usr</a:t>
+            </a:r>
+            <a:r>
+              <a:rPr lang="en-US" altLang="zh-CN" dirty="0" smtClean="0"/>
+              <a:t>/lib:/</a:t>
+            </a:r>
+            <a:r>
+              <a:rPr lang="en-US" altLang="zh-CN" dirty="0" err="1" smtClean="0"/>
+              <a:t>usr</a:t>
+            </a:r>
+            <a:r>
+              <a:rPr lang="en-US" altLang="zh-CN" dirty="0" smtClean="0"/>
+              <a:t>/local/lib’</a:t>
+            </a:r>
+          </a:p>
+          <a:p>
+            <a:endParaRPr lang="zh-CN" altLang="en-US" dirty="0"/>
+          </a:p>
+        </p:txBody>
+      </p:sp>
+    </p:spTree>
+    <p:extLst>
+      <p:ext uri="{BB962C8B-B14F-4D97-AF65-F5344CB8AC3E}">
+        <p14:creationId xmlns:p14="http://schemas.microsoft.com/office/powerpoint/2010/main" val="3679624089"/>
+      </p:ext>
+    </p:extLst>
+  </p:cSld>
+  <p:clrMapOvr>
+    <a:masterClrMapping/>
+  </p:clrMapOvr>
+</p:sld>
+</file>
+
+<file path=ppt/slides/slide17.xml><?xml version="1.0" encoding="utf-8"?>
+<p:sld xmlns:a="http://schemas.openxmlformats.org/drawingml/2006/main" xmlns:r="http://schemas.openxmlformats.org/officeDocument/2006/relationships" xmlns:p="http://schemas.openxmlformats.org/presentationml/2006/main">
+  <p:cSld>
+    <p:spTree>
+      <p:nvGrpSpPr>
+        <p:cNvPr id="1" name=""/>
+        <p:cNvGrpSpPr/>
+        <p:nvPr/>
+      </p:nvGrpSpPr>
+      <p:grpSpPr>
+        <a:xfrm>
+          <a:off x="0" y="0"/>
+          <a:ext cx="0" cy="0"/>
+          <a:chOff x="0" y="0"/>
+          <a:chExt cx="0" cy="0"/>
+        </a:xfrm>
+      </p:grpSpPr>
+      <p:sp>
+        <p:nvSpPr>
+          <p:cNvPr id="2" name="标题 1"/>
+          <p:cNvSpPr>
+            <a:spLocks noGrp="1"/>
+          </p:cNvSpPr>
+          <p:nvPr>
+            <p:ph type="title"/>
+          </p:nvPr>
+        </p:nvSpPr>
+        <p:spPr/>
+        <p:txBody>
+          <a:bodyPr/>
+          <a:lstStyle/>
+          <a:p>
+            <a:r>
+              <a:rPr lang="en-US" altLang="zh-CN" dirty="0" smtClean="0"/>
+              <a:t>Nodes</a:t>
+            </a:r>
+            <a:r>
+              <a:rPr lang="zh-CN" altLang="en-US" dirty="0" smtClean="0"/>
+              <a:t>的概念</a:t>
+            </a:r>
+            <a:endParaRPr lang="zh-CN" altLang="en-US" dirty="0"/>
+          </a:p>
+        </p:txBody>
+      </p:sp>
+      <p:sp>
+        <p:nvSpPr>
+          <p:cNvPr id="3" name="内容占位符 2"/>
+          <p:cNvSpPr>
+            <a:spLocks noGrp="1"/>
+          </p:cNvSpPr>
+          <p:nvPr>
+            <p:ph idx="1"/>
+          </p:nvPr>
+        </p:nvSpPr>
+        <p:spPr/>
+        <p:txBody>
+          <a:bodyPr/>
+          <a:lstStyle/>
+          <a:p>
+            <a:r>
+              <a:rPr lang="zh-CN" altLang="en-US" dirty="0" smtClean="0"/>
+              <a:t>所以</a:t>
+            </a:r>
+            <a:r>
+              <a:rPr lang="en-US" altLang="zh-CN" b="1" dirty="0" smtClean="0"/>
+              <a:t>builder</a:t>
+            </a:r>
+            <a:r>
+              <a:rPr lang="zh-CN" altLang="en-US" dirty="0" smtClean="0"/>
+              <a:t>返回</a:t>
+            </a:r>
+            <a:r>
+              <a:rPr lang="en-US" altLang="zh-CN" b="1" dirty="0" smtClean="0"/>
+              <a:t>Nodes</a:t>
+            </a:r>
+            <a:r>
+              <a:rPr lang="zh-CN" altLang="en-US" dirty="0" smtClean="0"/>
+              <a:t>的</a:t>
+            </a:r>
+            <a:r>
+              <a:rPr lang="en-US" altLang="zh-CN" dirty="0" smtClean="0"/>
+              <a:t>list.</a:t>
+            </a:r>
+          </a:p>
+          <a:p>
+            <a:r>
+              <a:rPr lang="en-US" altLang="zh-CN" dirty="0" smtClean="0"/>
+              <a:t>File</a:t>
+            </a:r>
+            <a:r>
+              <a:rPr lang="zh-CN" altLang="en-US" dirty="0" smtClean="0"/>
+              <a:t>可以显式的创建文件的</a:t>
+            </a:r>
+            <a:r>
+              <a:rPr lang="en-US" altLang="zh-CN" dirty="0" smtClean="0"/>
+              <a:t>Nodes</a:t>
+            </a:r>
+          </a:p>
+          <a:p>
+            <a:pPr lvl="1"/>
+            <a:r>
+              <a:rPr lang="en-US" altLang="zh-CN" dirty="0" smtClean="0"/>
+              <a:t>File(‘1.c’)</a:t>
+            </a:r>
+          </a:p>
+          <a:p>
+            <a:r>
+              <a:rPr lang="en-US" altLang="zh-CN" dirty="0" smtClean="0"/>
+              <a:t>Dir</a:t>
+            </a:r>
+            <a:r>
+              <a:rPr lang="zh-CN" altLang="en-US" dirty="0" smtClean="0"/>
+              <a:t>可以显示的创建文件夹的</a:t>
+            </a:r>
+            <a:r>
+              <a:rPr lang="en-US" altLang="zh-CN" dirty="0" smtClean="0"/>
+              <a:t>Nodes</a:t>
+            </a:r>
+          </a:p>
+          <a:p>
+            <a:pPr lvl="1"/>
+            <a:r>
+              <a:rPr lang="en-US" altLang="zh-CN" dirty="0" smtClean="0"/>
+              <a:t>Dir(‘</a:t>
+            </a:r>
+            <a:r>
+              <a:rPr lang="en-US" altLang="zh-CN" dirty="0" err="1" smtClean="0"/>
+              <a:t>abc</a:t>
+            </a:r>
+            <a:r>
+              <a:rPr lang="en-US" altLang="zh-CN" dirty="0" smtClean="0"/>
+              <a:t>’)</a:t>
+            </a:r>
+          </a:p>
+          <a:p>
+            <a:r>
+              <a:rPr lang="en-US" altLang="zh-CN" dirty="0" smtClean="0"/>
+              <a:t>Entry</a:t>
+            </a:r>
+            <a:r>
+              <a:rPr lang="zh-CN" altLang="en-US" dirty="0" smtClean="0"/>
+              <a:t>可以是文件夹或者文件名</a:t>
+            </a:r>
+            <a:endParaRPr lang="en-US" altLang="zh-CN" dirty="0" smtClean="0"/>
+          </a:p>
+          <a:p>
+            <a:pPr lvl="1"/>
+            <a:r>
+              <a:rPr lang="en-US" altLang="zh-CN" dirty="0" smtClean="0"/>
+              <a:t>Entry(‘xyz’)</a:t>
+            </a:r>
+          </a:p>
+          <a:p>
+            <a:r>
+              <a:rPr lang="en-US" altLang="zh-CN" dirty="0"/>
+              <a:t>p</a:t>
+            </a:r>
+            <a:r>
+              <a:rPr lang="en-US" altLang="zh-CN" dirty="0" smtClean="0"/>
+              <a:t>rint</a:t>
+            </a:r>
+            <a:r>
+              <a:rPr lang="zh-CN" altLang="en-US" dirty="0" smtClean="0"/>
+              <a:t>可以打印</a:t>
+            </a:r>
+            <a:r>
+              <a:rPr lang="zh-CN" altLang="en-US" dirty="0"/>
+              <a:t>单个</a:t>
+            </a:r>
+            <a:r>
+              <a:rPr lang="en-US" altLang="zh-CN" dirty="0" smtClean="0"/>
+              <a:t>nodes, list</a:t>
+            </a:r>
+            <a:r>
+              <a:rPr lang="zh-CN" altLang="en-US" dirty="0" smtClean="0"/>
+              <a:t>需要单独取出打印</a:t>
+            </a:r>
+            <a:endParaRPr lang="en-US" altLang="zh-CN" dirty="0" smtClean="0"/>
+          </a:p>
+        </p:txBody>
+      </p:sp>
+    </p:spTree>
+    <p:extLst>
+      <p:ext uri="{BB962C8B-B14F-4D97-AF65-F5344CB8AC3E}">
+        <p14:creationId xmlns:p14="http://schemas.microsoft.com/office/powerpoint/2010/main" val="3014840466"/>
+      </p:ext>
+    </p:extLst>
+  </p:cSld>
+  <p:clrMapOvr>
+    <a:masterClrMapping/>
+  </p:clrMapOvr>
+</p:sld>
+</file>
+
+<file path=ppt/slides/slide18.xml><?xml version="1.0" encoding="utf-8"?>
+<p:sld xmlns:a="http://schemas.openxmlformats.org/drawingml/2006/main" xmlns:r="http://schemas.openxmlformats.org/officeDocument/2006/relationships" xmlns:p="http://schemas.openxmlformats.org/presentationml/2006/main">
+  <p:cSld>
+    <p:spTree>
+      <p:nvGrpSpPr>
+        <p:cNvPr id="1" name=""/>
+        <p:cNvGrpSpPr/>
+        <p:nvPr/>
+      </p:nvGrpSpPr>
+      <p:grpSpPr>
+        <a:xfrm>
+          <a:off x="0" y="0"/>
+          <a:ext cx="0" cy="0"/>
+          <a:chOff x="0" y="0"/>
+          <a:chExt cx="0" cy="0"/>
+        </a:xfrm>
+      </p:grpSpPr>
+      <p:sp>
+        <p:nvSpPr>
+          <p:cNvPr id="2" name="标题 1"/>
+          <p:cNvSpPr>
+            <a:spLocks noGrp="1"/>
+          </p:cNvSpPr>
+          <p:nvPr>
+            <p:ph type="title"/>
+          </p:nvPr>
+        </p:nvSpPr>
+        <p:spPr/>
+        <p:txBody>
+          <a:bodyPr/>
+          <a:lstStyle/>
+          <a:p>
+            <a:r>
+              <a:rPr lang="zh-CN" altLang="en-US" dirty="0" smtClean="0"/>
+              <a:t>防止重新编译的机制</a:t>
+            </a:r>
+            <a:endParaRPr lang="zh-CN" altLang="en-US" dirty="0"/>
+          </a:p>
+        </p:txBody>
+      </p:sp>
+      <p:sp>
+        <p:nvSpPr>
+          <p:cNvPr id="3" name="内容占位符 2"/>
+          <p:cNvSpPr>
+            <a:spLocks noGrp="1"/>
+          </p:cNvSpPr>
+          <p:nvPr>
+            <p:ph idx="1"/>
+          </p:nvPr>
+        </p:nvSpPr>
+        <p:spPr>
+          <a:xfrm>
+            <a:off x="838200" y="1825625"/>
+            <a:ext cx="10515600" cy="3234055"/>
+          </a:xfrm>
+        </p:spPr>
+        <p:txBody>
+          <a:bodyPr/>
+          <a:lstStyle/>
+          <a:p>
+            <a:r>
+              <a:rPr lang="zh-CN" altLang="en-US" dirty="0" smtClean="0"/>
+              <a:t>时间戳</a:t>
+            </a:r>
+            <a:endParaRPr lang="en-US" altLang="zh-CN" dirty="0" smtClean="0"/>
+          </a:p>
+          <a:p>
+            <a:pPr lvl="1"/>
+            <a:r>
+              <a:rPr lang="en-US" altLang="zh-CN" dirty="0"/>
+              <a:t>Decider('timestamp-newer</a:t>
+            </a:r>
+            <a:r>
+              <a:rPr lang="en-US" altLang="zh-CN" dirty="0" smtClean="0"/>
+              <a:t>')</a:t>
+            </a:r>
+          </a:p>
+          <a:p>
+            <a:pPr lvl="1"/>
+            <a:r>
+              <a:rPr lang="en-US" altLang="zh-CN" dirty="0"/>
+              <a:t>Decider('make')</a:t>
+            </a:r>
+          </a:p>
+          <a:p>
+            <a:r>
+              <a:rPr lang="en-US" altLang="zh-CN" dirty="0" smtClean="0"/>
+              <a:t>MD5</a:t>
+            </a:r>
+            <a:r>
+              <a:rPr lang="zh-CN" altLang="en-US" dirty="0" smtClean="0"/>
+              <a:t>比较文件内容</a:t>
+            </a:r>
+            <a:endParaRPr lang="en-US" altLang="zh-CN" dirty="0" smtClean="0"/>
+          </a:p>
+          <a:p>
+            <a:pPr lvl="1"/>
+            <a:r>
+              <a:rPr lang="en-US" altLang="zh-CN" dirty="0" smtClean="0"/>
+              <a:t>Decider(‘MD5’)</a:t>
+            </a:r>
+          </a:p>
+          <a:p>
+            <a:pPr lvl="1"/>
+            <a:r>
+              <a:rPr lang="en-US" altLang="zh-CN" dirty="0"/>
+              <a:t>Decider</a:t>
+            </a:r>
+            <a:r>
+              <a:rPr lang="en-US" altLang="zh-CN" dirty="0" smtClean="0"/>
+              <a:t>(‘MD5-timestamp’)</a:t>
+            </a:r>
+            <a:r>
+              <a:rPr lang="zh-CN" altLang="en-US" dirty="0" smtClean="0"/>
+              <a:t>考虑时间戳</a:t>
+            </a:r>
+            <a:endParaRPr lang="en-US" altLang="zh-CN" dirty="0"/>
+          </a:p>
+          <a:p>
+            <a:r>
+              <a:rPr lang="zh-CN" altLang="en-US" dirty="0" smtClean="0"/>
+              <a:t>自定义</a:t>
+            </a:r>
+            <a:r>
+              <a:rPr lang="en-US" altLang="zh-CN" dirty="0" smtClean="0"/>
+              <a:t>Decider</a:t>
+            </a:r>
+          </a:p>
+          <a:p>
+            <a:endParaRPr lang="en-US" altLang="zh-CN" dirty="0"/>
+          </a:p>
+          <a:p>
+            <a:pPr lvl="1"/>
+            <a:endParaRPr lang="zh-CN" altLang="en-US" dirty="0"/>
+          </a:p>
+        </p:txBody>
+      </p:sp>
+    </p:spTree>
+    <p:extLst>
+      <p:ext uri="{BB962C8B-B14F-4D97-AF65-F5344CB8AC3E}">
+        <p14:creationId xmlns:p14="http://schemas.microsoft.com/office/powerpoint/2010/main" val="3367466380"/>
+      </p:ext>
+    </p:extLst>
+  </p:cSld>
+  <p:clrMapOvr>
+    <a:masterClrMapping/>
+  </p:clrMapOvr>
+</p:sld>
+</file>
+
+<file path=ppt/slides/slide19.xml><?xml version="1.0" encoding="utf-8"?>
+<p:sld xmlns:a="http://schemas.openxmlformats.org/drawingml/2006/main" xmlns:r="http://schemas.openxmlformats.org/officeDocument/2006/relationships" xmlns:p="http://schemas.openxmlformats.org/presentationml/2006/main">
+  <p:cSld>
+    <p:spTree>
+      <p:nvGrpSpPr>
+        <p:cNvPr id="1" name=""/>
+        <p:cNvGrpSpPr/>
+        <p:nvPr/>
+      </p:nvGrpSpPr>
+      <p:grpSpPr>
+        <a:xfrm>
+          <a:off x="0" y="0"/>
+          <a:ext cx="0" cy="0"/>
+          <a:chOff x="0" y="0"/>
+          <a:chExt cx="0" cy="0"/>
+        </a:xfrm>
+      </p:grpSpPr>
+      <p:sp>
+        <p:nvSpPr>
+          <p:cNvPr id="2" name="标题 1"/>
+          <p:cNvSpPr>
+            <a:spLocks noGrp="1"/>
+          </p:cNvSpPr>
+          <p:nvPr>
+            <p:ph type="title"/>
+          </p:nvPr>
+        </p:nvSpPr>
+        <p:spPr/>
+        <p:txBody>
+          <a:bodyPr/>
+          <a:lstStyle/>
+          <a:p>
+            <a:r>
+              <a:rPr lang="zh-CN" altLang="en-US" dirty="0" smtClean="0"/>
+              <a:t>隐式依赖</a:t>
+            </a:r>
+            <a:endParaRPr lang="zh-CN" altLang="en-US" dirty="0"/>
+          </a:p>
+        </p:txBody>
+      </p:sp>
+      <p:sp>
+        <p:nvSpPr>
+          <p:cNvPr id="3" name="内容占位符 2"/>
+          <p:cNvSpPr>
+            <a:spLocks noGrp="1"/>
+          </p:cNvSpPr>
+          <p:nvPr>
+            <p:ph idx="1"/>
+          </p:nvPr>
+        </p:nvSpPr>
+        <p:spPr/>
+        <p:txBody>
+          <a:bodyPr/>
+          <a:lstStyle/>
+          <a:p>
+            <a:r>
+              <a:rPr lang="zh-CN" altLang="en-US" dirty="0" smtClean="0"/>
+              <a:t>指定头文件</a:t>
+            </a:r>
+            <a:endParaRPr lang="en-US" altLang="zh-CN" dirty="0" smtClean="0"/>
+          </a:p>
+          <a:p>
+            <a:pPr lvl="1"/>
+            <a:r>
+              <a:rPr lang="en-US" altLang="zh-CN" dirty="0" smtClean="0"/>
+              <a:t>Program(‘</a:t>
+            </a:r>
+            <a:r>
+              <a:rPr lang="en-US" altLang="zh-CN" dirty="0" err="1" smtClean="0"/>
+              <a:t>hello.c</a:t>
+            </a:r>
+            <a:r>
+              <a:rPr lang="en-US" altLang="zh-CN" dirty="0" smtClean="0"/>
+              <a:t>’, CPPPATH=‘.’)</a:t>
+            </a:r>
+          </a:p>
+          <a:p>
+            <a:pPr lvl="1"/>
+            <a:r>
+              <a:rPr lang="en-US" altLang="zh-CN" dirty="0" smtClean="0"/>
+              <a:t>CPPPATH</a:t>
+            </a:r>
+            <a:r>
+              <a:rPr lang="zh-CN" altLang="en-US" dirty="0" smtClean="0"/>
+              <a:t>对应</a:t>
+            </a:r>
+            <a:r>
+              <a:rPr lang="en-US" altLang="zh-CN" dirty="0" err="1" smtClean="0"/>
+              <a:t>gcc</a:t>
+            </a:r>
+            <a:r>
+              <a:rPr lang="zh-CN" altLang="en-US" dirty="0" smtClean="0"/>
+              <a:t>的</a:t>
+            </a:r>
+            <a:r>
+              <a:rPr lang="en-US" altLang="zh-CN" dirty="0" smtClean="0"/>
+              <a:t>-I. </a:t>
+            </a:r>
+            <a:r>
+              <a:rPr lang="zh-CN" altLang="en-US" dirty="0" smtClean="0"/>
+              <a:t>选项</a:t>
+            </a:r>
+            <a:endParaRPr lang="en-US" altLang="zh-CN" dirty="0" smtClean="0"/>
+          </a:p>
+          <a:p>
+            <a:r>
+              <a:rPr lang="zh-CN" altLang="en-US" dirty="0"/>
+              <a:t>头文件发生改变，源文件没有发生</a:t>
+            </a:r>
+            <a:r>
+              <a:rPr lang="zh-CN" altLang="en-US" dirty="0" smtClean="0"/>
+              <a:t>变化，</a:t>
+            </a:r>
+            <a:r>
+              <a:rPr lang="en-US" altLang="zh-CN" dirty="0" err="1" smtClean="0"/>
+              <a:t>scons</a:t>
+            </a:r>
+            <a:r>
+              <a:rPr lang="zh-CN" altLang="en-US" dirty="0" smtClean="0"/>
+              <a:t>会从新编源文件</a:t>
+            </a:r>
+            <a:endParaRPr lang="en-US" altLang="zh-CN" dirty="0" smtClean="0"/>
+          </a:p>
+          <a:p>
+            <a:pPr lvl="1"/>
+            <a:r>
+              <a:rPr lang="zh-CN" altLang="en-US" dirty="0" smtClean="0"/>
+              <a:t>因为</a:t>
+            </a:r>
+            <a:r>
+              <a:rPr lang="en-US" altLang="zh-CN" dirty="0" err="1" smtClean="0"/>
+              <a:t>scons</a:t>
+            </a:r>
+            <a:r>
+              <a:rPr lang="zh-CN" altLang="en-US" dirty="0" smtClean="0"/>
+              <a:t>会查找源文件的</a:t>
+            </a:r>
+            <a:r>
+              <a:rPr lang="en-US" altLang="zh-CN" dirty="0" smtClean="0"/>
+              <a:t>include</a:t>
+            </a:r>
+            <a:r>
+              <a:rPr lang="zh-CN" altLang="en-US" dirty="0" smtClean="0"/>
+              <a:t>，所以可以重新编</a:t>
+            </a:r>
+            <a:endParaRPr lang="en-US" altLang="zh-CN" dirty="0" smtClean="0"/>
+          </a:p>
+          <a:p>
+            <a:r>
+              <a:rPr lang="en-US" altLang="zh-CN" dirty="0" smtClean="0"/>
+              <a:t>--</a:t>
+            </a:r>
+            <a:r>
+              <a:rPr lang="en-US" altLang="zh-CN" dirty="0"/>
+              <a:t>implicit-cache </a:t>
+            </a:r>
+            <a:r>
+              <a:rPr lang="zh-CN" altLang="en-US" dirty="0" smtClean="0"/>
+              <a:t>可以生成依赖的缓存</a:t>
+            </a:r>
+            <a:endParaRPr lang="en-US" altLang="zh-CN" dirty="0" smtClean="0"/>
+          </a:p>
+          <a:p>
+            <a:pPr lvl="1"/>
+            <a:r>
+              <a:rPr lang="en-US" altLang="zh-CN" dirty="0"/>
+              <a:t> </a:t>
+            </a:r>
+            <a:r>
+              <a:rPr lang="en-US" altLang="zh-CN" dirty="0" err="1"/>
+              <a:t>scons</a:t>
+            </a:r>
+            <a:r>
+              <a:rPr lang="en-US" altLang="zh-CN" dirty="0"/>
+              <a:t> -Q --implicit-cache </a:t>
+            </a:r>
+            <a:r>
+              <a:rPr lang="en-US" altLang="zh-CN" dirty="0" smtClean="0"/>
+              <a:t>hello</a:t>
+            </a:r>
+          </a:p>
+          <a:p>
+            <a:pPr lvl="1"/>
+            <a:r>
+              <a:rPr lang="zh-CN" altLang="en-US" dirty="0" smtClean="0"/>
+              <a:t>或者：</a:t>
+            </a:r>
+            <a:r>
+              <a:rPr lang="en-US" altLang="zh-CN" dirty="0" err="1" smtClean="0"/>
+              <a:t>SetOption</a:t>
+            </a:r>
+            <a:r>
+              <a:rPr lang="en-US" altLang="zh-CN" dirty="0"/>
+              <a:t>('</a:t>
+            </a:r>
+            <a:r>
+              <a:rPr lang="en-US" altLang="zh-CN" dirty="0" err="1"/>
+              <a:t>implicit_cache</a:t>
+            </a:r>
+            <a:r>
+              <a:rPr lang="en-US" altLang="zh-CN" dirty="0"/>
+              <a:t>', 1</a:t>
+            </a:r>
+            <a:r>
+              <a:rPr lang="en-US" altLang="zh-CN" dirty="0" smtClean="0"/>
+              <a:t>)</a:t>
+            </a:r>
+            <a:endParaRPr lang="en-US" altLang="zh-CN" dirty="0"/>
+          </a:p>
+          <a:p>
+            <a:pPr lvl="1"/>
+            <a:r>
+              <a:rPr lang="zh-CN" altLang="en-US" dirty="0" smtClean="0"/>
+              <a:t>扫描依赖其实占用较少的时间，该选项可用可不用</a:t>
+            </a:r>
+            <a:endParaRPr lang="en-US" altLang="zh-CN" dirty="0" smtClean="0"/>
+          </a:p>
+          <a:p>
+            <a:pPr lvl="1"/>
+            <a:endParaRPr lang="en-US" altLang="zh-CN" dirty="0"/>
+          </a:p>
+          <a:p>
+            <a:pPr lvl="1"/>
+            <a:endParaRPr lang="zh-CN" altLang="en-US" dirty="0"/>
+          </a:p>
+        </p:txBody>
+      </p:sp>
+    </p:spTree>
+    <p:extLst>
+      <p:ext uri="{BB962C8B-B14F-4D97-AF65-F5344CB8AC3E}">
+        <p14:creationId xmlns:p14="http://schemas.microsoft.com/office/powerpoint/2010/main" val="4140960985"/>
       </p:ext>
     </p:extLst>
   </p:cSld>
@@ -4067,6 +5068,1488 @@
     <p:extLst>
       <p:ext uri="{BB962C8B-B14F-4D97-AF65-F5344CB8AC3E}">
         <p14:creationId xmlns:p14="http://schemas.microsoft.com/office/powerpoint/2010/main" val="4135915720"/>
+      </p:ext>
+    </p:extLst>
+  </p:cSld>
+  <p:clrMapOvr>
+    <a:masterClrMapping/>
+  </p:clrMapOvr>
+</p:sld>
+</file>
+
+<file path=ppt/slides/slide20.xml><?xml version="1.0" encoding="utf-8"?>
+<p:sld xmlns:a="http://schemas.openxmlformats.org/drawingml/2006/main" xmlns:r="http://schemas.openxmlformats.org/officeDocument/2006/relationships" xmlns:p="http://schemas.openxmlformats.org/presentationml/2006/main">
+  <p:cSld>
+    <p:spTree>
+      <p:nvGrpSpPr>
+        <p:cNvPr id="1" name=""/>
+        <p:cNvGrpSpPr/>
+        <p:nvPr/>
+      </p:nvGrpSpPr>
+      <p:grpSpPr>
+        <a:xfrm>
+          <a:off x="0" y="0"/>
+          <a:ext cx="0" cy="0"/>
+          <a:chOff x="0" y="0"/>
+          <a:chExt cx="0" cy="0"/>
+        </a:xfrm>
+      </p:grpSpPr>
+      <p:sp>
+        <p:nvSpPr>
+          <p:cNvPr id="2" name="标题 1"/>
+          <p:cNvSpPr>
+            <a:spLocks noGrp="1"/>
+          </p:cNvSpPr>
+          <p:nvPr>
+            <p:ph type="title"/>
+          </p:nvPr>
+        </p:nvSpPr>
+        <p:spPr/>
+        <p:txBody>
+          <a:bodyPr/>
+          <a:lstStyle/>
+          <a:p>
+            <a:endParaRPr lang="zh-CN" altLang="en-US"/>
+          </a:p>
+        </p:txBody>
+      </p:sp>
+      <p:sp>
+        <p:nvSpPr>
+          <p:cNvPr id="3" name="内容占位符 2"/>
+          <p:cNvSpPr>
+            <a:spLocks noGrp="1"/>
+          </p:cNvSpPr>
+          <p:nvPr>
+            <p:ph idx="1"/>
+          </p:nvPr>
+        </p:nvSpPr>
+        <p:spPr/>
+        <p:txBody>
+          <a:bodyPr/>
+          <a:lstStyle/>
+          <a:p>
+            <a:r>
+              <a:rPr lang="en-US" altLang="zh-CN" dirty="0" err="1"/>
+              <a:t>scons</a:t>
+            </a:r>
+            <a:r>
+              <a:rPr lang="en-US" altLang="zh-CN" dirty="0"/>
+              <a:t> -Q --implicit-deps-changed </a:t>
+            </a:r>
+            <a:r>
+              <a:rPr lang="en-US" altLang="zh-CN" dirty="0" smtClean="0"/>
+              <a:t>hello</a:t>
+            </a:r>
+            <a:r>
+              <a:rPr lang="zh-CN" altLang="en-US" dirty="0" smtClean="0"/>
+              <a:t>，重新扫描</a:t>
+            </a:r>
+            <a:endParaRPr lang="en-US" altLang="zh-CN" dirty="0" smtClean="0"/>
+          </a:p>
+          <a:p>
+            <a:r>
+              <a:rPr lang="en-US" altLang="zh-CN" dirty="0" err="1"/>
+              <a:t>scons</a:t>
+            </a:r>
+            <a:r>
+              <a:rPr lang="en-US" altLang="zh-CN" dirty="0"/>
+              <a:t> -Q --implicit-deps-unchanged </a:t>
+            </a:r>
+            <a:r>
+              <a:rPr lang="en-US" altLang="zh-CN" dirty="0" smtClean="0"/>
+              <a:t>hello</a:t>
+            </a:r>
+            <a:r>
+              <a:rPr lang="zh-CN" altLang="en-US" dirty="0" smtClean="0"/>
+              <a:t>，强制不重新扫描</a:t>
+            </a:r>
+            <a:endParaRPr lang="en-US" altLang="zh-CN" dirty="0"/>
+          </a:p>
+          <a:p>
+            <a:endParaRPr lang="zh-CN" altLang="en-US" dirty="0"/>
+          </a:p>
+        </p:txBody>
+      </p:sp>
+    </p:spTree>
+    <p:extLst>
+      <p:ext uri="{BB962C8B-B14F-4D97-AF65-F5344CB8AC3E}">
+        <p14:creationId xmlns:p14="http://schemas.microsoft.com/office/powerpoint/2010/main" val="3639920369"/>
+      </p:ext>
+    </p:extLst>
+  </p:cSld>
+  <p:clrMapOvr>
+    <a:masterClrMapping/>
+  </p:clrMapOvr>
+</p:sld>
+</file>
+
+<file path=ppt/slides/slide21.xml><?xml version="1.0" encoding="utf-8"?>
+<p:sld xmlns:a="http://schemas.openxmlformats.org/drawingml/2006/main" xmlns:r="http://schemas.openxmlformats.org/officeDocument/2006/relationships" xmlns:p="http://schemas.openxmlformats.org/presentationml/2006/main">
+  <p:cSld>
+    <p:spTree>
+      <p:nvGrpSpPr>
+        <p:cNvPr id="1" name=""/>
+        <p:cNvGrpSpPr/>
+        <p:nvPr/>
+      </p:nvGrpSpPr>
+      <p:grpSpPr>
+        <a:xfrm>
+          <a:off x="0" y="0"/>
+          <a:ext cx="0" cy="0"/>
+          <a:chOff x="0" y="0"/>
+          <a:chExt cx="0" cy="0"/>
+        </a:xfrm>
+      </p:grpSpPr>
+      <p:sp>
+        <p:nvSpPr>
+          <p:cNvPr id="2" name="标题 1"/>
+          <p:cNvSpPr>
+            <a:spLocks noGrp="1"/>
+          </p:cNvSpPr>
+          <p:nvPr>
+            <p:ph type="title"/>
+          </p:nvPr>
+        </p:nvSpPr>
+        <p:spPr/>
+        <p:txBody>
+          <a:bodyPr/>
+          <a:lstStyle/>
+          <a:p>
+            <a:r>
+              <a:rPr lang="zh-CN" altLang="en-US" dirty="0" smtClean="0"/>
+              <a:t>自定义</a:t>
+            </a:r>
+            <a:r>
+              <a:rPr lang="en-US" altLang="zh-CN" dirty="0" smtClean="0"/>
+              <a:t>Decider</a:t>
+            </a:r>
+            <a:r>
+              <a:rPr lang="zh-CN" altLang="en-US" dirty="0" smtClean="0"/>
+              <a:t>（以后研究，位置第</a:t>
+            </a:r>
+            <a:r>
+              <a:rPr lang="en-US" altLang="zh-CN" dirty="0" smtClean="0"/>
+              <a:t>6</a:t>
+            </a:r>
+            <a:r>
+              <a:rPr lang="zh-CN" altLang="en-US" dirty="0" smtClean="0"/>
+              <a:t>章）</a:t>
+            </a:r>
+            <a:endParaRPr lang="zh-CN" altLang="en-US" dirty="0"/>
+          </a:p>
+        </p:txBody>
+      </p:sp>
+      <p:sp>
+        <p:nvSpPr>
+          <p:cNvPr id="5" name="文本框 4"/>
+          <p:cNvSpPr txBox="1"/>
+          <p:nvPr/>
+        </p:nvSpPr>
+        <p:spPr>
+          <a:xfrm>
+            <a:off x="1005840" y="1874520"/>
+            <a:ext cx="6705600" cy="2585323"/>
+          </a:xfrm>
+          <a:prstGeom prst="rect">
+            <a:avLst/>
+          </a:prstGeom>
+          <a:noFill/>
+        </p:spPr>
+        <p:txBody>
+          <a:bodyPr wrap="square" rtlCol="0">
+            <a:spAutoFit/>
+          </a:bodyPr>
+          <a:lstStyle/>
+          <a:p>
+            <a:r>
+              <a:rPr lang="en-US" altLang="zh-CN" dirty="0" err="1"/>
+              <a:t>def</a:t>
+            </a:r>
+            <a:r>
+              <a:rPr lang="en-US" altLang="zh-CN" dirty="0"/>
+              <a:t> </a:t>
+            </a:r>
+            <a:r>
+              <a:rPr lang="en-US" altLang="zh-CN" dirty="0" err="1"/>
+              <a:t>decide_if_changed</a:t>
+            </a:r>
+            <a:r>
+              <a:rPr lang="en-US" altLang="zh-CN" dirty="0"/>
+              <a:t>(dependency, target, </a:t>
+            </a:r>
+            <a:r>
+              <a:rPr lang="en-US" altLang="zh-CN" dirty="0" err="1"/>
+              <a:t>prev_ni</a:t>
+            </a:r>
+            <a:r>
+              <a:rPr lang="en-US" altLang="zh-CN" dirty="0"/>
+              <a:t>):</a:t>
+            </a:r>
+          </a:p>
+          <a:p>
+            <a:r>
+              <a:rPr lang="en-US" altLang="zh-CN" dirty="0"/>
+              <a:t>    if </a:t>
+            </a:r>
+            <a:r>
+              <a:rPr lang="en-US" altLang="zh-CN" dirty="0" err="1"/>
+              <a:t>dependency.get_timestamp</a:t>
+            </a:r>
+            <a:r>
+              <a:rPr lang="en-US" altLang="zh-CN" dirty="0"/>
+              <a:t>() != </a:t>
+            </a:r>
+            <a:r>
+              <a:rPr lang="en-US" altLang="zh-CN" dirty="0" err="1"/>
+              <a:t>prev_ni.timestamp</a:t>
+            </a:r>
+            <a:r>
+              <a:rPr lang="en-US" altLang="zh-CN" dirty="0"/>
+              <a:t>:</a:t>
+            </a:r>
+          </a:p>
+          <a:p>
+            <a:r>
+              <a:rPr lang="en-US" altLang="zh-CN" dirty="0"/>
+              <a:t>        dep = </a:t>
+            </a:r>
+            <a:r>
+              <a:rPr lang="en-US" altLang="zh-CN" dirty="0" err="1"/>
+              <a:t>str</a:t>
+            </a:r>
+            <a:r>
+              <a:rPr lang="en-US" altLang="zh-CN" dirty="0"/>
+              <a:t>(dependency)</a:t>
+            </a:r>
+          </a:p>
+          <a:p>
+            <a:r>
+              <a:rPr lang="en-US" altLang="zh-CN" dirty="0"/>
+              <a:t>        </a:t>
+            </a:r>
+            <a:r>
+              <a:rPr lang="en-US" altLang="zh-CN" dirty="0" err="1"/>
+              <a:t>tgt</a:t>
+            </a:r>
+            <a:r>
+              <a:rPr lang="en-US" altLang="zh-CN" dirty="0"/>
+              <a:t> = </a:t>
+            </a:r>
+            <a:r>
+              <a:rPr lang="en-US" altLang="zh-CN" dirty="0" err="1"/>
+              <a:t>str</a:t>
+            </a:r>
+            <a:r>
+              <a:rPr lang="en-US" altLang="zh-CN" dirty="0"/>
+              <a:t>(target)</a:t>
+            </a:r>
+          </a:p>
+          <a:p>
+            <a:r>
+              <a:rPr lang="en-US" altLang="zh-CN" dirty="0"/>
+              <a:t>        if </a:t>
+            </a:r>
+            <a:r>
+              <a:rPr lang="en-US" altLang="zh-CN" dirty="0" err="1"/>
+              <a:t>specific_part_of_file_has_changed</a:t>
+            </a:r>
+            <a:r>
+              <a:rPr lang="en-US" altLang="zh-CN" dirty="0"/>
+              <a:t>(dep, </a:t>
+            </a:r>
+            <a:r>
+              <a:rPr lang="en-US" altLang="zh-CN" dirty="0" err="1"/>
+              <a:t>tgt</a:t>
+            </a:r>
+            <a:r>
+              <a:rPr lang="en-US" altLang="zh-CN" dirty="0"/>
+              <a:t>):</a:t>
+            </a:r>
+          </a:p>
+          <a:p>
+            <a:r>
+              <a:rPr lang="en-US" altLang="zh-CN" dirty="0"/>
+              <a:t>            return True</a:t>
+            </a:r>
+          </a:p>
+          <a:p>
+            <a:r>
+              <a:rPr lang="en-US" altLang="zh-CN" dirty="0"/>
+              <a:t>    return False</a:t>
+            </a:r>
+          </a:p>
+          <a:p>
+            <a:r>
+              <a:rPr lang="en-US" altLang="zh-CN" dirty="0"/>
+              <a:t>Decider(</a:t>
+            </a:r>
+            <a:r>
+              <a:rPr lang="en-US" altLang="zh-CN" dirty="0" err="1"/>
+              <a:t>decide_if_changed</a:t>
+            </a:r>
+            <a:r>
+              <a:rPr lang="en-US" altLang="zh-CN" dirty="0" smtClean="0"/>
+              <a:t>)#</a:t>
+            </a:r>
+            <a:r>
+              <a:rPr lang="zh-CN" altLang="en-US" dirty="0" smtClean="0"/>
+              <a:t>函数名</a:t>
+            </a:r>
+            <a:endParaRPr lang="en-US" altLang="zh-CN" dirty="0"/>
+          </a:p>
+          <a:p>
+            <a:r>
+              <a:rPr lang="en-US" altLang="zh-CN" dirty="0"/>
+              <a:t> </a:t>
+            </a:r>
+            <a:endParaRPr lang="zh-CN" altLang="en-US" dirty="0"/>
+          </a:p>
+        </p:txBody>
+      </p:sp>
+    </p:spTree>
+    <p:extLst>
+      <p:ext uri="{BB962C8B-B14F-4D97-AF65-F5344CB8AC3E}">
+        <p14:creationId xmlns:p14="http://schemas.microsoft.com/office/powerpoint/2010/main" val="1568581987"/>
+      </p:ext>
+    </p:extLst>
+  </p:cSld>
+  <p:clrMapOvr>
+    <a:masterClrMapping/>
+  </p:clrMapOvr>
+</p:sld>
+</file>
+
+<file path=ppt/slides/slide22.xml><?xml version="1.0" encoding="utf-8"?>
+<p:sld xmlns:a="http://schemas.openxmlformats.org/drawingml/2006/main" xmlns:r="http://schemas.openxmlformats.org/officeDocument/2006/relationships" xmlns:p="http://schemas.openxmlformats.org/presentationml/2006/main">
+  <p:cSld>
+    <p:spTree>
+      <p:nvGrpSpPr>
+        <p:cNvPr id="1" name=""/>
+        <p:cNvGrpSpPr/>
+        <p:nvPr/>
+      </p:nvGrpSpPr>
+      <p:grpSpPr>
+        <a:xfrm>
+          <a:off x="0" y="0"/>
+          <a:ext cx="0" cy="0"/>
+          <a:chOff x="0" y="0"/>
+          <a:chExt cx="0" cy="0"/>
+        </a:xfrm>
+      </p:grpSpPr>
+      <p:sp>
+        <p:nvSpPr>
+          <p:cNvPr id="2" name="标题 1"/>
+          <p:cNvSpPr>
+            <a:spLocks noGrp="1"/>
+          </p:cNvSpPr>
+          <p:nvPr>
+            <p:ph type="title"/>
+          </p:nvPr>
+        </p:nvSpPr>
+        <p:spPr/>
+        <p:txBody>
+          <a:bodyPr/>
+          <a:lstStyle/>
+          <a:p>
+            <a:r>
+              <a:rPr lang="en-US" altLang="zh-CN" dirty="0" err="1" smtClean="0"/>
+              <a:t>Enviroments</a:t>
+            </a:r>
+            <a:endParaRPr lang="zh-CN" altLang="en-US" dirty="0"/>
+          </a:p>
+        </p:txBody>
+      </p:sp>
+      <p:sp>
+        <p:nvSpPr>
+          <p:cNvPr id="3" name="内容占位符 2"/>
+          <p:cNvSpPr>
+            <a:spLocks noGrp="1"/>
+          </p:cNvSpPr>
+          <p:nvPr>
+            <p:ph idx="1"/>
+          </p:nvPr>
+        </p:nvSpPr>
+        <p:spPr/>
+        <p:txBody>
+          <a:bodyPr/>
+          <a:lstStyle/>
+          <a:p>
+            <a:r>
+              <a:rPr lang="en-US" altLang="zh-CN" dirty="0" smtClean="0"/>
+              <a:t>External </a:t>
+            </a:r>
+            <a:r>
+              <a:rPr lang="en-US" altLang="zh-CN" dirty="0" err="1" smtClean="0"/>
+              <a:t>Environmen</a:t>
+            </a:r>
+            <a:r>
+              <a:rPr lang="en-US" altLang="zh-CN" dirty="0" smtClean="0"/>
+              <a:t>:</a:t>
+            </a:r>
+            <a:r>
+              <a:rPr lang="zh-CN" altLang="en-US" dirty="0" smtClean="0"/>
+              <a:t>环境变量</a:t>
+            </a:r>
+            <a:endParaRPr lang="en-US" altLang="zh-CN" dirty="0" smtClean="0"/>
+          </a:p>
+          <a:p>
+            <a:r>
+              <a:rPr lang="en-US" altLang="zh-CN" dirty="0" err="1" smtClean="0"/>
+              <a:t>Cosntruction</a:t>
+            </a:r>
+            <a:r>
+              <a:rPr lang="en-US" altLang="zh-CN" dirty="0" smtClean="0"/>
+              <a:t> </a:t>
+            </a:r>
+            <a:r>
+              <a:rPr lang="en-US" altLang="zh-CN" dirty="0" err="1" smtClean="0"/>
+              <a:t>Env</a:t>
+            </a:r>
+            <a:r>
+              <a:rPr lang="en-US" altLang="zh-CN" dirty="0" smtClean="0"/>
+              <a:t>: </a:t>
+            </a:r>
+            <a:r>
+              <a:rPr lang="zh-CN" altLang="en-US" dirty="0" smtClean="0"/>
+              <a:t>构建变量</a:t>
+            </a:r>
+            <a:endParaRPr lang="en-US" altLang="zh-CN" dirty="0" smtClean="0"/>
+          </a:p>
+          <a:p>
+            <a:r>
+              <a:rPr lang="en-US" altLang="zh-CN" dirty="0" smtClean="0"/>
+              <a:t>Execution </a:t>
+            </a:r>
+            <a:r>
+              <a:rPr lang="en-US" altLang="zh-CN" dirty="0" err="1" smtClean="0"/>
+              <a:t>Env</a:t>
+            </a:r>
+            <a:r>
+              <a:rPr lang="en-US" altLang="zh-CN" dirty="0" smtClean="0"/>
+              <a:t>:</a:t>
+            </a:r>
+            <a:endParaRPr lang="zh-CN" altLang="en-US" dirty="0"/>
+          </a:p>
+        </p:txBody>
+      </p:sp>
+    </p:spTree>
+    <p:extLst>
+      <p:ext uri="{BB962C8B-B14F-4D97-AF65-F5344CB8AC3E}">
+        <p14:creationId xmlns:p14="http://schemas.microsoft.com/office/powerpoint/2010/main" val="114196301"/>
+      </p:ext>
+    </p:extLst>
+  </p:cSld>
+  <p:clrMapOvr>
+    <a:masterClrMapping/>
+  </p:clrMapOvr>
+</p:sld>
+</file>
+
+<file path=ppt/slides/slide23.xml><?xml version="1.0" encoding="utf-8"?>
+<p:sld xmlns:a="http://schemas.openxmlformats.org/drawingml/2006/main" xmlns:r="http://schemas.openxmlformats.org/officeDocument/2006/relationships" xmlns:p="http://schemas.openxmlformats.org/presentationml/2006/main">
+  <p:cSld>
+    <p:spTree>
+      <p:nvGrpSpPr>
+        <p:cNvPr id="1" name=""/>
+        <p:cNvGrpSpPr/>
+        <p:nvPr/>
+      </p:nvGrpSpPr>
+      <p:grpSpPr>
+        <a:xfrm>
+          <a:off x="0" y="0"/>
+          <a:ext cx="0" cy="0"/>
+          <a:chOff x="0" y="0"/>
+          <a:chExt cx="0" cy="0"/>
+        </a:xfrm>
+      </p:grpSpPr>
+      <p:sp>
+        <p:nvSpPr>
+          <p:cNvPr id="2" name="标题 1"/>
+          <p:cNvSpPr>
+            <a:spLocks noGrp="1"/>
+          </p:cNvSpPr>
+          <p:nvPr>
+            <p:ph type="title"/>
+          </p:nvPr>
+        </p:nvSpPr>
+        <p:spPr/>
+        <p:txBody>
+          <a:bodyPr/>
+          <a:lstStyle/>
+          <a:p>
+            <a:r>
+              <a:rPr lang="en-US" altLang="zh-CN" dirty="0" smtClean="0"/>
+              <a:t>External </a:t>
+            </a:r>
+            <a:r>
+              <a:rPr lang="en-US" altLang="zh-CN" dirty="0" err="1" smtClean="0"/>
+              <a:t>env</a:t>
+            </a:r>
+            <a:endParaRPr lang="zh-CN" altLang="en-US" dirty="0"/>
+          </a:p>
+        </p:txBody>
+      </p:sp>
+      <p:sp>
+        <p:nvSpPr>
+          <p:cNvPr id="3" name="内容占位符 2"/>
+          <p:cNvSpPr>
+            <a:spLocks noGrp="1"/>
+          </p:cNvSpPr>
+          <p:nvPr>
+            <p:ph idx="1"/>
+          </p:nvPr>
+        </p:nvSpPr>
+        <p:spPr/>
+        <p:txBody>
+          <a:bodyPr/>
+          <a:lstStyle/>
+          <a:p>
+            <a:r>
+              <a:rPr lang="en-US" altLang="zh-CN" dirty="0" err="1" smtClean="0"/>
+              <a:t>os.environ</a:t>
+            </a:r>
+            <a:r>
+              <a:rPr lang="en-US" altLang="zh-CN" dirty="0" smtClean="0"/>
+              <a:t>;(import </a:t>
+            </a:r>
+            <a:r>
+              <a:rPr lang="en-US" altLang="zh-CN" dirty="0" err="1" smtClean="0"/>
+              <a:t>os</a:t>
+            </a:r>
+            <a:r>
+              <a:rPr lang="en-US" altLang="zh-CN" dirty="0" smtClean="0"/>
+              <a:t>)</a:t>
+            </a:r>
+            <a:endParaRPr lang="zh-CN" altLang="en-US" dirty="0"/>
+          </a:p>
+        </p:txBody>
+      </p:sp>
+    </p:spTree>
+    <p:extLst>
+      <p:ext uri="{BB962C8B-B14F-4D97-AF65-F5344CB8AC3E}">
+        <p14:creationId xmlns:p14="http://schemas.microsoft.com/office/powerpoint/2010/main" val="2799498013"/>
+      </p:ext>
+    </p:extLst>
+  </p:cSld>
+  <p:clrMapOvr>
+    <a:masterClrMapping/>
+  </p:clrMapOvr>
+</p:sld>
+</file>
+
+<file path=ppt/slides/slide24.xml><?xml version="1.0" encoding="utf-8"?>
+<p:sld xmlns:a="http://schemas.openxmlformats.org/drawingml/2006/main" xmlns:r="http://schemas.openxmlformats.org/officeDocument/2006/relationships" xmlns:p="http://schemas.openxmlformats.org/presentationml/2006/main">
+  <p:cSld>
+    <p:spTree>
+      <p:nvGrpSpPr>
+        <p:cNvPr id="1" name=""/>
+        <p:cNvGrpSpPr/>
+        <p:nvPr/>
+      </p:nvGrpSpPr>
+      <p:grpSpPr>
+        <a:xfrm>
+          <a:off x="0" y="0"/>
+          <a:ext cx="0" cy="0"/>
+          <a:chOff x="0" y="0"/>
+          <a:chExt cx="0" cy="0"/>
+        </a:xfrm>
+      </p:grpSpPr>
+      <p:sp>
+        <p:nvSpPr>
+          <p:cNvPr id="2" name="标题 1"/>
+          <p:cNvSpPr>
+            <a:spLocks noGrp="1"/>
+          </p:cNvSpPr>
+          <p:nvPr>
+            <p:ph type="title"/>
+          </p:nvPr>
+        </p:nvSpPr>
+        <p:spPr/>
+        <p:txBody>
+          <a:bodyPr/>
+          <a:lstStyle/>
+          <a:p>
+            <a:r>
+              <a:rPr lang="en-US" altLang="zh-CN" dirty="0" smtClean="0"/>
+              <a:t>Construction </a:t>
+            </a:r>
+            <a:r>
+              <a:rPr lang="en-US" altLang="zh-CN" dirty="0" err="1" smtClean="0"/>
+              <a:t>Env</a:t>
+            </a:r>
+            <a:endParaRPr lang="zh-CN" altLang="en-US" dirty="0"/>
+          </a:p>
+        </p:txBody>
+      </p:sp>
+      <p:sp>
+        <p:nvSpPr>
+          <p:cNvPr id="3" name="内容占位符 2"/>
+          <p:cNvSpPr>
+            <a:spLocks noGrp="1"/>
+          </p:cNvSpPr>
+          <p:nvPr>
+            <p:ph idx="1"/>
+          </p:nvPr>
+        </p:nvSpPr>
+        <p:spPr/>
+        <p:txBody>
+          <a:bodyPr>
+            <a:normAutofit lnSpcReduction="10000"/>
+          </a:bodyPr>
+          <a:lstStyle/>
+          <a:p>
+            <a:r>
+              <a:rPr lang="zh-CN" altLang="en-US" dirty="0" smtClean="0"/>
+              <a:t>创建</a:t>
+            </a:r>
+            <a:endParaRPr lang="en-US" altLang="zh-CN" dirty="0" smtClean="0"/>
+          </a:p>
+          <a:p>
+            <a:pPr lvl="1"/>
+            <a:r>
+              <a:rPr lang="en-US" altLang="zh-CN" dirty="0" err="1"/>
+              <a:t>e</a:t>
+            </a:r>
+            <a:r>
+              <a:rPr lang="en-US" altLang="zh-CN" dirty="0" err="1" smtClean="0"/>
+              <a:t>nv</a:t>
+            </a:r>
+            <a:r>
+              <a:rPr lang="en-US" altLang="zh-CN" dirty="0" smtClean="0"/>
+              <a:t> = Environment()</a:t>
+            </a:r>
+          </a:p>
+          <a:p>
+            <a:pPr lvl="1"/>
+            <a:r>
+              <a:rPr lang="zh-CN" altLang="en-US" dirty="0" smtClean="0"/>
+              <a:t>实际上是一个</a:t>
+            </a:r>
+            <a:r>
+              <a:rPr lang="en-US" altLang="zh-CN" dirty="0" err="1" smtClean="0"/>
+              <a:t>dict</a:t>
+            </a:r>
+            <a:r>
+              <a:rPr lang="en-US" altLang="zh-CN" dirty="0" smtClean="0"/>
+              <a:t>,</a:t>
+            </a:r>
+            <a:r>
+              <a:rPr lang="zh-CN" altLang="en-US" dirty="0" smtClean="0"/>
+              <a:t>一个</a:t>
+            </a:r>
+            <a:r>
+              <a:rPr lang="en-US" altLang="zh-CN" dirty="0" smtClean="0"/>
+              <a:t>key </a:t>
+            </a:r>
+            <a:r>
+              <a:rPr lang="zh-CN" altLang="en-US" dirty="0" smtClean="0"/>
+              <a:t>和</a:t>
+            </a:r>
+            <a:r>
+              <a:rPr lang="en-US" altLang="zh-CN" dirty="0" smtClean="0"/>
+              <a:t>value</a:t>
+            </a:r>
+          </a:p>
+          <a:p>
+            <a:pPr lvl="2"/>
+            <a:r>
+              <a:rPr lang="en-US" altLang="zh-CN" dirty="0" err="1"/>
+              <a:t>env.Dictionary</a:t>
+            </a:r>
+            <a:r>
+              <a:rPr lang="en-US" altLang="zh-CN" dirty="0" smtClean="0"/>
+              <a:t>()</a:t>
+            </a:r>
+            <a:endParaRPr lang="en-US" altLang="zh-CN" dirty="0"/>
+          </a:p>
+          <a:p>
+            <a:r>
+              <a:rPr lang="zh-CN" altLang="en-US" dirty="0" smtClean="0"/>
+              <a:t>初始化：</a:t>
+            </a:r>
+            <a:endParaRPr lang="en-US" altLang="zh-CN" dirty="0" smtClean="0"/>
+          </a:p>
+          <a:p>
+            <a:pPr lvl="1"/>
+            <a:r>
+              <a:rPr lang="zh-CN" altLang="en-US" dirty="0" smtClean="0"/>
+              <a:t>自动初始化（使用工具的默认值。</a:t>
+            </a:r>
+            <a:r>
+              <a:rPr lang="en-US" altLang="zh-CN" dirty="0" err="1" smtClean="0"/>
+              <a:t>Eg.gcc</a:t>
+            </a:r>
+            <a:r>
+              <a:rPr lang="zh-CN" altLang="en-US" dirty="0" smtClean="0"/>
+              <a:t>的默认值）</a:t>
+            </a:r>
+            <a:endParaRPr lang="en-US" altLang="zh-CN" dirty="0" smtClean="0"/>
+          </a:p>
+          <a:p>
+            <a:pPr lvl="1"/>
+            <a:r>
+              <a:rPr lang="zh-CN" altLang="en-US" dirty="0" smtClean="0"/>
+              <a:t>也可以定义一些变量</a:t>
+            </a:r>
+            <a:endParaRPr lang="en-US" altLang="zh-CN" dirty="0" smtClean="0"/>
+          </a:p>
+          <a:p>
+            <a:pPr marL="685800" lvl="2">
+              <a:spcBef>
+                <a:spcPts val="1000"/>
+              </a:spcBef>
+            </a:pPr>
+            <a:r>
+              <a:rPr lang="en-US" altLang="zh-CN" dirty="0" err="1" smtClean="0"/>
+              <a:t>env</a:t>
+            </a:r>
+            <a:r>
+              <a:rPr lang="en-US" altLang="zh-CN" dirty="0" smtClean="0"/>
+              <a:t> </a:t>
+            </a:r>
+            <a:r>
+              <a:rPr lang="en-US" altLang="zh-CN" dirty="0"/>
+              <a:t>= </a:t>
+            </a:r>
+            <a:r>
+              <a:rPr lang="en-US" altLang="zh-CN" dirty="0" smtClean="0"/>
+              <a:t>Environment(CC=‘</a:t>
+            </a:r>
+            <a:r>
+              <a:rPr lang="en-US" altLang="zh-CN" dirty="0" err="1" smtClean="0"/>
+              <a:t>gcc</a:t>
+            </a:r>
+            <a:r>
+              <a:rPr lang="en-US" altLang="zh-CN" dirty="0" smtClean="0"/>
+              <a:t>’, CCFLAGS=‘-O2’)</a:t>
+            </a:r>
+          </a:p>
+          <a:p>
+            <a:pPr marL="228600" lvl="1">
+              <a:spcBef>
+                <a:spcPts val="1000"/>
+              </a:spcBef>
+            </a:pPr>
+            <a:r>
+              <a:rPr lang="zh-CN" altLang="en-US" dirty="0" smtClean="0"/>
+              <a:t>引用：</a:t>
+            </a:r>
+            <a:endParaRPr lang="en-US" altLang="zh-CN" dirty="0" smtClean="0"/>
+          </a:p>
+          <a:p>
+            <a:pPr marL="685800" lvl="2">
+              <a:spcBef>
+                <a:spcPts val="1000"/>
+              </a:spcBef>
+            </a:pPr>
+            <a:r>
+              <a:rPr lang="en-US" altLang="zh-CN" dirty="0" err="1" smtClean="0"/>
+              <a:t>Env</a:t>
+            </a:r>
+            <a:r>
+              <a:rPr lang="en-US" altLang="zh-CN" dirty="0" smtClean="0"/>
+              <a:t>[‘CC’]</a:t>
+            </a:r>
+          </a:p>
+          <a:p>
+            <a:pPr marL="685800" lvl="2">
+              <a:spcBef>
+                <a:spcPts val="1000"/>
+              </a:spcBef>
+            </a:pPr>
+            <a:r>
+              <a:rPr lang="en-US" altLang="zh-CN" dirty="0" err="1" smtClean="0"/>
+              <a:t>Env.subst</a:t>
+            </a:r>
+            <a:r>
+              <a:rPr lang="en-US" altLang="zh-CN" dirty="0" smtClean="0"/>
+              <a:t>(‘$CC’), </a:t>
+            </a:r>
+            <a:r>
+              <a:rPr lang="zh-CN" altLang="en-US" dirty="0" smtClean="0"/>
+              <a:t>可以使用</a:t>
+            </a:r>
+            <a:r>
+              <a:rPr lang="en-US" altLang="zh-CN" dirty="0" smtClean="0"/>
+              <a:t>$</a:t>
+            </a:r>
+            <a:r>
+              <a:rPr lang="zh-CN" altLang="en-US" dirty="0" smtClean="0"/>
+              <a:t>符合</a:t>
+            </a:r>
+            <a:endParaRPr lang="en-US" altLang="zh-CN" dirty="0"/>
+          </a:p>
+          <a:p>
+            <a:endParaRPr lang="zh-CN" altLang="en-US" dirty="0"/>
+          </a:p>
+        </p:txBody>
+      </p:sp>
+    </p:spTree>
+    <p:extLst>
+      <p:ext uri="{BB962C8B-B14F-4D97-AF65-F5344CB8AC3E}">
+        <p14:creationId xmlns:p14="http://schemas.microsoft.com/office/powerpoint/2010/main" val="3525156345"/>
+      </p:ext>
+    </p:extLst>
+  </p:cSld>
+  <p:clrMapOvr>
+    <a:masterClrMapping/>
+  </p:clrMapOvr>
+</p:sld>
+</file>
+
+<file path=ppt/slides/slide25.xml><?xml version="1.0" encoding="utf-8"?>
+<p:sld xmlns:a="http://schemas.openxmlformats.org/drawingml/2006/main" xmlns:r="http://schemas.openxmlformats.org/officeDocument/2006/relationships" xmlns:p="http://schemas.openxmlformats.org/presentationml/2006/main">
+  <p:cSld>
+    <p:spTree>
+      <p:nvGrpSpPr>
+        <p:cNvPr id="1" name=""/>
+        <p:cNvGrpSpPr/>
+        <p:nvPr/>
+      </p:nvGrpSpPr>
+      <p:grpSpPr>
+        <a:xfrm>
+          <a:off x="0" y="0"/>
+          <a:ext cx="0" cy="0"/>
+          <a:chOff x="0" y="0"/>
+          <a:chExt cx="0" cy="0"/>
+        </a:xfrm>
+      </p:grpSpPr>
+      <p:sp>
+        <p:nvSpPr>
+          <p:cNvPr id="2" name="标题 1"/>
+          <p:cNvSpPr>
+            <a:spLocks noGrp="1"/>
+          </p:cNvSpPr>
+          <p:nvPr>
+            <p:ph type="title"/>
+          </p:nvPr>
+        </p:nvSpPr>
+        <p:spPr/>
+        <p:txBody>
+          <a:bodyPr/>
+          <a:lstStyle/>
+          <a:p>
+            <a:r>
+              <a:rPr lang="en-US" altLang="zh-CN" dirty="0" smtClean="0"/>
+              <a:t>Construction </a:t>
+            </a:r>
+            <a:r>
+              <a:rPr lang="en-US" altLang="zh-CN" dirty="0" err="1" smtClean="0"/>
+              <a:t>env</a:t>
+            </a:r>
+            <a:r>
+              <a:rPr lang="en-US" altLang="zh-CN" dirty="0" smtClean="0"/>
+              <a:t> </a:t>
+            </a:r>
+            <a:r>
+              <a:rPr lang="zh-CN" altLang="en-US" dirty="0" smtClean="0"/>
+              <a:t>补充（第</a:t>
+            </a:r>
+            <a:r>
+              <a:rPr lang="en-US" altLang="zh-CN" dirty="0" smtClean="0"/>
+              <a:t>7</a:t>
+            </a:r>
+            <a:r>
+              <a:rPr lang="zh-CN" altLang="en-US" dirty="0" smtClean="0"/>
+              <a:t>章）</a:t>
+            </a:r>
+            <a:endParaRPr lang="zh-CN" altLang="en-US" dirty="0"/>
+          </a:p>
+        </p:txBody>
+      </p:sp>
+      <p:sp>
+        <p:nvSpPr>
+          <p:cNvPr id="3" name="内容占位符 2"/>
+          <p:cNvSpPr>
+            <a:spLocks noGrp="1"/>
+          </p:cNvSpPr>
+          <p:nvPr>
+            <p:ph idx="1"/>
+          </p:nvPr>
+        </p:nvSpPr>
+        <p:spPr/>
+        <p:txBody>
+          <a:bodyPr>
+            <a:normAutofit lnSpcReduction="10000"/>
+          </a:bodyPr>
+          <a:lstStyle/>
+          <a:p>
+            <a:r>
+              <a:rPr lang="en-US" altLang="zh-CN" dirty="0" err="1" smtClean="0"/>
+              <a:t>defaultEnvironment</a:t>
+            </a:r>
+            <a:r>
+              <a:rPr lang="en-US" altLang="zh-CN" dirty="0" smtClean="0"/>
+              <a:t> </a:t>
+            </a:r>
+            <a:r>
+              <a:rPr lang="zh-CN" altLang="en-US" dirty="0" smtClean="0"/>
+              <a:t>比</a:t>
+            </a:r>
+            <a:r>
+              <a:rPr lang="en-US" altLang="zh-CN" dirty="0" err="1" smtClean="0"/>
+              <a:t>Enviroment</a:t>
+            </a:r>
+            <a:r>
+              <a:rPr lang="zh-CN" altLang="en-US" dirty="0" smtClean="0"/>
+              <a:t>稍微快点</a:t>
+            </a:r>
+            <a:endParaRPr lang="en-US" altLang="zh-CN" dirty="0" smtClean="0"/>
+          </a:p>
+          <a:p>
+            <a:r>
+              <a:rPr lang="zh-CN" altLang="en-US" dirty="0" smtClean="0"/>
+              <a:t>环境可以有多个</a:t>
+            </a:r>
+            <a:endParaRPr lang="en-US" altLang="zh-CN" dirty="0" smtClean="0"/>
+          </a:p>
+          <a:p>
+            <a:r>
+              <a:rPr lang="zh-CN" altLang="en-US" dirty="0" smtClean="0"/>
+              <a:t>前面的</a:t>
+            </a:r>
+            <a:r>
+              <a:rPr lang="en-US" altLang="zh-CN" dirty="0" smtClean="0"/>
+              <a:t>Program</a:t>
+            </a:r>
+            <a:r>
+              <a:rPr lang="zh-CN" altLang="en-US" dirty="0" smtClean="0"/>
+              <a:t>和</a:t>
+            </a:r>
+            <a:r>
+              <a:rPr lang="en-US" altLang="zh-CN" dirty="0" smtClean="0"/>
+              <a:t>Object </a:t>
+            </a:r>
+            <a:r>
+              <a:rPr lang="zh-CN" altLang="en-US" dirty="0" smtClean="0"/>
+              <a:t>等都是</a:t>
+            </a:r>
+            <a:r>
+              <a:rPr lang="en-US" altLang="zh-CN" dirty="0" err="1" smtClean="0"/>
+              <a:t>Env</a:t>
+            </a:r>
+            <a:r>
+              <a:rPr lang="zh-CN" altLang="en-US" dirty="0" smtClean="0"/>
+              <a:t>的函数。</a:t>
+            </a:r>
+            <a:endParaRPr lang="en-US" altLang="zh-CN" dirty="0" smtClean="0"/>
+          </a:p>
+          <a:p>
+            <a:r>
+              <a:rPr lang="zh-CN" altLang="en-US" dirty="0" smtClean="0"/>
+              <a:t>可以使用多个环境生成多个版本的目标</a:t>
+            </a:r>
+            <a:endParaRPr lang="en-US" altLang="zh-CN" dirty="0" smtClean="0"/>
+          </a:p>
+          <a:p>
+            <a:r>
+              <a:rPr lang="zh-CN" altLang="en-US" dirty="0"/>
+              <a:t>可以使用多个环境生成多</a:t>
+            </a:r>
+            <a:r>
+              <a:rPr lang="zh-CN" altLang="en-US" dirty="0" smtClean="0"/>
+              <a:t>个不同的的目标</a:t>
+            </a:r>
+            <a:endParaRPr lang="en-US" altLang="zh-CN" dirty="0" smtClean="0"/>
+          </a:p>
+          <a:p>
+            <a:r>
+              <a:rPr lang="en-US" altLang="zh-CN" dirty="0" smtClean="0"/>
+              <a:t>Clone</a:t>
+            </a:r>
+            <a:r>
+              <a:rPr lang="zh-CN" altLang="en-US" dirty="0" smtClean="0"/>
+              <a:t>可以复制环境</a:t>
+            </a:r>
+            <a:endParaRPr lang="en-US" altLang="zh-CN" dirty="0" smtClean="0"/>
+          </a:p>
+          <a:p>
+            <a:r>
+              <a:rPr lang="en-US" altLang="zh-CN" dirty="0" smtClean="0"/>
+              <a:t>Append </a:t>
+            </a:r>
+            <a:r>
+              <a:rPr lang="zh-CN" altLang="en-US" dirty="0" smtClean="0"/>
+              <a:t>追加</a:t>
+            </a:r>
+            <a:endParaRPr lang="en-US" altLang="zh-CN" dirty="0" smtClean="0"/>
+          </a:p>
+          <a:p>
+            <a:r>
+              <a:rPr lang="en-US" altLang="zh-CN" dirty="0" smtClean="0"/>
+              <a:t>Replace </a:t>
+            </a:r>
+            <a:r>
+              <a:rPr lang="zh-CN" altLang="en-US" dirty="0" smtClean="0"/>
+              <a:t>替换</a:t>
+            </a:r>
+            <a:endParaRPr lang="en-US" altLang="zh-CN" dirty="0" smtClean="0"/>
+          </a:p>
+          <a:p>
+            <a:r>
+              <a:rPr lang="en-US" altLang="zh-CN" dirty="0" smtClean="0"/>
+              <a:t>Prepend </a:t>
+            </a:r>
+            <a:r>
+              <a:rPr lang="zh-CN" altLang="en-US" dirty="0" smtClean="0"/>
+              <a:t>前面添加</a:t>
+            </a:r>
+            <a:endParaRPr lang="en-US" altLang="zh-CN" dirty="0"/>
+          </a:p>
+          <a:p>
+            <a:endParaRPr lang="en-US" altLang="zh-CN" dirty="0" smtClean="0"/>
+          </a:p>
+          <a:p>
+            <a:endParaRPr lang="en-US" altLang="zh-CN" dirty="0" smtClean="0"/>
+          </a:p>
+          <a:p>
+            <a:endParaRPr lang="zh-CN" altLang="en-US" dirty="0"/>
+          </a:p>
+        </p:txBody>
+      </p:sp>
+    </p:spTree>
+    <p:extLst>
+      <p:ext uri="{BB962C8B-B14F-4D97-AF65-F5344CB8AC3E}">
+        <p14:creationId xmlns:p14="http://schemas.microsoft.com/office/powerpoint/2010/main" val="23442985"/>
+      </p:ext>
+    </p:extLst>
+  </p:cSld>
+  <p:clrMapOvr>
+    <a:masterClrMapping/>
+  </p:clrMapOvr>
+</p:sld>
+</file>
+
+<file path=ppt/slides/slide26.xml><?xml version="1.0" encoding="utf-8"?>
+<p:sld xmlns:a="http://schemas.openxmlformats.org/drawingml/2006/main" xmlns:r="http://schemas.openxmlformats.org/officeDocument/2006/relationships" xmlns:p="http://schemas.openxmlformats.org/presentationml/2006/main">
+  <p:cSld>
+    <p:spTree>
+      <p:nvGrpSpPr>
+        <p:cNvPr id="1" name=""/>
+        <p:cNvGrpSpPr/>
+        <p:nvPr/>
+      </p:nvGrpSpPr>
+      <p:grpSpPr>
+        <a:xfrm>
+          <a:off x="0" y="0"/>
+          <a:ext cx="0" cy="0"/>
+          <a:chOff x="0" y="0"/>
+          <a:chExt cx="0" cy="0"/>
+        </a:xfrm>
+      </p:grpSpPr>
+      <p:sp>
+        <p:nvSpPr>
+          <p:cNvPr id="2" name="标题 1"/>
+          <p:cNvSpPr>
+            <a:spLocks noGrp="1"/>
+          </p:cNvSpPr>
+          <p:nvPr>
+            <p:ph type="title"/>
+          </p:nvPr>
+        </p:nvSpPr>
+        <p:spPr/>
+        <p:txBody>
+          <a:bodyPr/>
+          <a:lstStyle/>
+          <a:p>
+            <a:r>
+              <a:rPr lang="en-US" altLang="zh-CN" dirty="0" err="1" smtClean="0"/>
+              <a:t>Env</a:t>
+            </a:r>
+            <a:r>
+              <a:rPr lang="zh-CN" altLang="en-US" dirty="0" smtClean="0"/>
+              <a:t>的函数</a:t>
+            </a:r>
+            <a:endParaRPr lang="zh-CN" altLang="en-US" dirty="0"/>
+          </a:p>
+        </p:txBody>
+      </p:sp>
+      <p:sp>
+        <p:nvSpPr>
+          <p:cNvPr id="3" name="内容占位符 2"/>
+          <p:cNvSpPr>
+            <a:spLocks noGrp="1"/>
+          </p:cNvSpPr>
+          <p:nvPr>
+            <p:ph idx="1"/>
+          </p:nvPr>
+        </p:nvSpPr>
+        <p:spPr/>
+        <p:txBody>
+          <a:bodyPr/>
+          <a:lstStyle/>
+          <a:p>
+            <a:r>
+              <a:rPr lang="en-US" altLang="zh-CN" dirty="0" err="1" smtClean="0"/>
+              <a:t>mergeFlags</a:t>
+            </a:r>
+            <a:endParaRPr lang="en-US" altLang="zh-CN" dirty="0" smtClean="0"/>
+          </a:p>
+          <a:p>
+            <a:r>
+              <a:rPr lang="en-US" altLang="zh-CN" dirty="0" err="1" smtClean="0"/>
+              <a:t>parseFlags</a:t>
+            </a:r>
+            <a:endParaRPr lang="en-US" altLang="zh-CN" dirty="0"/>
+          </a:p>
+          <a:p>
+            <a:pPr lvl="1"/>
+            <a:r>
+              <a:rPr lang="en-US" altLang="zh-CN" dirty="0" err="1"/>
+              <a:t>env.ParseFlags</a:t>
+            </a:r>
+            <a:r>
+              <a:rPr lang="en-US" altLang="zh-CN" dirty="0"/>
+              <a:t>("-I/opt/include -L/opt/lib -</a:t>
+            </a:r>
+            <a:r>
+              <a:rPr lang="en-US" altLang="zh-CN" dirty="0" err="1"/>
+              <a:t>lfoo</a:t>
+            </a:r>
+            <a:r>
+              <a:rPr lang="en-US" altLang="zh-CN" dirty="0" smtClean="0"/>
+              <a:t>")</a:t>
+            </a:r>
+          </a:p>
+          <a:p>
+            <a:r>
+              <a:rPr lang="en-US" altLang="zh-CN" dirty="0" err="1" smtClean="0"/>
+              <a:t>ParseConfig</a:t>
+            </a:r>
+            <a:r>
+              <a:rPr lang="en-US" altLang="zh-CN" dirty="0" smtClean="0"/>
+              <a:t>()</a:t>
+            </a:r>
+          </a:p>
+          <a:p>
+            <a:pPr lvl="1"/>
+            <a:r>
+              <a:rPr lang="en-US" altLang="zh-CN" b="1" dirty="0" err="1"/>
+              <a:t>env.ParseConfig</a:t>
+            </a:r>
+            <a:r>
+              <a:rPr lang="en-US" altLang="zh-CN" b="1" dirty="0"/>
+              <a:t>("</a:t>
+            </a:r>
+            <a:r>
+              <a:rPr lang="en-US" altLang="zh-CN" b="1" dirty="0" err="1"/>
+              <a:t>pkg-config</a:t>
+            </a:r>
+            <a:r>
+              <a:rPr lang="en-US" altLang="zh-CN" b="1" dirty="0"/>
+              <a:t> x11 --</a:t>
+            </a:r>
+            <a:r>
+              <a:rPr lang="en-US" altLang="zh-CN" b="1" dirty="0" err="1"/>
+              <a:t>cflags</a:t>
+            </a:r>
+            <a:r>
+              <a:rPr lang="en-US" altLang="zh-CN" b="1" dirty="0"/>
+              <a:t> --libs</a:t>
+            </a:r>
+            <a:r>
+              <a:rPr lang="en-US" altLang="zh-CN" b="1" dirty="0" smtClean="0"/>
+              <a:t>")</a:t>
+            </a:r>
+          </a:p>
+          <a:p>
+            <a:pPr lvl="1"/>
+            <a:r>
+              <a:rPr lang="en-US" altLang="zh-CN" b="1" dirty="0" err="1" smtClean="0"/>
+              <a:t>Pkg-config</a:t>
+            </a:r>
+            <a:r>
+              <a:rPr lang="en-US" altLang="zh-CN" b="1" dirty="0" smtClean="0"/>
+              <a:t> </a:t>
+            </a:r>
+            <a:r>
+              <a:rPr lang="zh-CN" altLang="en-US" b="1" dirty="0" smtClean="0"/>
+              <a:t>工具</a:t>
+            </a:r>
+            <a:endParaRPr lang="zh-CN" altLang="en-US" b="1" dirty="0"/>
+          </a:p>
+        </p:txBody>
+      </p:sp>
+    </p:spTree>
+    <p:extLst>
+      <p:ext uri="{BB962C8B-B14F-4D97-AF65-F5344CB8AC3E}">
+        <p14:creationId xmlns:p14="http://schemas.microsoft.com/office/powerpoint/2010/main" val="316645367"/>
+      </p:ext>
+    </p:extLst>
+  </p:cSld>
+  <p:clrMapOvr>
+    <a:masterClrMapping/>
+  </p:clrMapOvr>
+</p:sld>
+</file>
+
+<file path=ppt/slides/slide27.xml><?xml version="1.0" encoding="utf-8"?>
+<p:sld xmlns:a="http://schemas.openxmlformats.org/drawingml/2006/main" xmlns:r="http://schemas.openxmlformats.org/officeDocument/2006/relationships" xmlns:p="http://schemas.openxmlformats.org/presentationml/2006/main">
+  <p:cSld>
+    <p:spTree>
+      <p:nvGrpSpPr>
+        <p:cNvPr id="1" name=""/>
+        <p:cNvGrpSpPr/>
+        <p:nvPr/>
+      </p:nvGrpSpPr>
+      <p:grpSpPr>
+        <a:xfrm>
+          <a:off x="0" y="0"/>
+          <a:ext cx="0" cy="0"/>
+          <a:chOff x="0" y="0"/>
+          <a:chExt cx="0" cy="0"/>
+        </a:xfrm>
+      </p:grpSpPr>
+      <p:sp>
+        <p:nvSpPr>
+          <p:cNvPr id="2" name="标题 1"/>
+          <p:cNvSpPr>
+            <a:spLocks noGrp="1"/>
+          </p:cNvSpPr>
+          <p:nvPr>
+            <p:ph type="title"/>
+          </p:nvPr>
+        </p:nvSpPr>
+        <p:spPr/>
+        <p:txBody>
+          <a:bodyPr/>
+          <a:lstStyle/>
+          <a:p>
+            <a:r>
+              <a:rPr lang="en-US" altLang="zh-CN" dirty="0" err="1" smtClean="0"/>
+              <a:t>scons</a:t>
+            </a:r>
+            <a:r>
+              <a:rPr lang="zh-CN" altLang="en-US" dirty="0" smtClean="0"/>
+              <a:t>输出控制</a:t>
+            </a:r>
+            <a:endParaRPr lang="zh-CN" altLang="en-US" dirty="0"/>
+          </a:p>
+        </p:txBody>
+      </p:sp>
+      <p:sp>
+        <p:nvSpPr>
+          <p:cNvPr id="3" name="内容占位符 2"/>
+          <p:cNvSpPr>
+            <a:spLocks noGrp="1"/>
+          </p:cNvSpPr>
+          <p:nvPr>
+            <p:ph idx="1"/>
+          </p:nvPr>
+        </p:nvSpPr>
+        <p:spPr/>
+        <p:txBody>
+          <a:bodyPr/>
+          <a:lstStyle/>
+          <a:p>
+            <a:r>
+              <a:rPr lang="en-US" altLang="zh-CN" dirty="0" smtClean="0"/>
+              <a:t>$COMSTR</a:t>
+            </a:r>
+          </a:p>
+          <a:p>
+            <a:pPr lvl="1"/>
+            <a:r>
+              <a:rPr lang="en-US" altLang="zh-CN" dirty="0" err="1"/>
+              <a:t>env</a:t>
+            </a:r>
+            <a:r>
+              <a:rPr lang="en-US" altLang="zh-CN" dirty="0"/>
+              <a:t> = Environment(CCCOMSTR = "Compiling $TARGET",</a:t>
+            </a:r>
+          </a:p>
+          <a:p>
+            <a:pPr lvl="1"/>
+            <a:r>
+              <a:rPr lang="en-US" altLang="zh-CN" dirty="0"/>
+              <a:t>LINKCOMSTR = "Linking $TARGET")</a:t>
+            </a:r>
+            <a:endParaRPr lang="zh-CN" altLang="en-US" dirty="0"/>
+          </a:p>
+        </p:txBody>
+      </p:sp>
+    </p:spTree>
+    <p:extLst>
+      <p:ext uri="{BB962C8B-B14F-4D97-AF65-F5344CB8AC3E}">
+        <p14:creationId xmlns:p14="http://schemas.microsoft.com/office/powerpoint/2010/main" val="2434163531"/>
+      </p:ext>
+    </p:extLst>
+  </p:cSld>
+  <p:clrMapOvr>
+    <a:masterClrMapping/>
+  </p:clrMapOvr>
+</p:sld>
+</file>
+
+<file path=ppt/slides/slide28.xml><?xml version="1.0" encoding="utf-8"?>
+<p:sld xmlns:a="http://schemas.openxmlformats.org/drawingml/2006/main" xmlns:r="http://schemas.openxmlformats.org/officeDocument/2006/relationships" xmlns:p="http://schemas.openxmlformats.org/presentationml/2006/main">
+  <p:cSld>
+    <p:spTree>
+      <p:nvGrpSpPr>
+        <p:cNvPr id="1" name=""/>
+        <p:cNvGrpSpPr/>
+        <p:nvPr/>
+      </p:nvGrpSpPr>
+      <p:grpSpPr>
+        <a:xfrm>
+          <a:off x="0" y="0"/>
+          <a:ext cx="0" cy="0"/>
+          <a:chOff x="0" y="0"/>
+          <a:chExt cx="0" cy="0"/>
+        </a:xfrm>
+      </p:grpSpPr>
+      <p:sp>
+        <p:nvSpPr>
+          <p:cNvPr id="2" name="标题 1"/>
+          <p:cNvSpPr>
+            <a:spLocks noGrp="1"/>
+          </p:cNvSpPr>
+          <p:nvPr>
+            <p:ph type="title"/>
+          </p:nvPr>
+        </p:nvSpPr>
+        <p:spPr/>
+        <p:txBody>
+          <a:bodyPr/>
+          <a:lstStyle/>
+          <a:p>
+            <a:r>
+              <a:rPr lang="zh-CN" altLang="en-US" dirty="0" smtClean="0"/>
+              <a:t>通过命令行控制编译</a:t>
+            </a:r>
+            <a:endParaRPr lang="zh-CN" altLang="en-US" dirty="0"/>
+          </a:p>
+        </p:txBody>
+      </p:sp>
+      <p:sp>
+        <p:nvSpPr>
+          <p:cNvPr id="3" name="内容占位符 2"/>
+          <p:cNvSpPr>
+            <a:spLocks noGrp="1"/>
+          </p:cNvSpPr>
+          <p:nvPr>
+            <p:ph idx="1"/>
+          </p:nvPr>
+        </p:nvSpPr>
+        <p:spPr/>
+        <p:txBody>
+          <a:bodyPr/>
+          <a:lstStyle/>
+          <a:p>
+            <a:r>
+              <a:rPr lang="zh-CN" altLang="en-US" dirty="0" smtClean="0"/>
+              <a:t>常用的有 </a:t>
+            </a:r>
+            <a:r>
+              <a:rPr lang="en-US" altLang="zh-CN" smtClean="0"/>
+              <a:t>-–</a:t>
+            </a:r>
+            <a:r>
+              <a:rPr lang="en-US" altLang="zh-CN" dirty="0" smtClean="0"/>
+              <a:t>prefix</a:t>
+            </a:r>
+            <a:endParaRPr lang="zh-CN" altLang="en-US" dirty="0"/>
+          </a:p>
+        </p:txBody>
+      </p:sp>
+    </p:spTree>
+    <p:extLst>
+      <p:ext uri="{BB962C8B-B14F-4D97-AF65-F5344CB8AC3E}">
+        <p14:creationId xmlns:p14="http://schemas.microsoft.com/office/powerpoint/2010/main" val="3151594440"/>
+      </p:ext>
+    </p:extLst>
+  </p:cSld>
+  <p:clrMapOvr>
+    <a:masterClrMapping/>
+  </p:clrMapOvr>
+</p:sld>
+</file>
+
+<file path=ppt/slides/slide29.xml><?xml version="1.0" encoding="utf-8"?>
+<p:sld xmlns:a="http://schemas.openxmlformats.org/drawingml/2006/main" xmlns:r="http://schemas.openxmlformats.org/officeDocument/2006/relationships" xmlns:p="http://schemas.openxmlformats.org/presentationml/2006/main">
+  <p:cSld>
+    <p:spTree>
+      <p:nvGrpSpPr>
+        <p:cNvPr id="1" name=""/>
+        <p:cNvGrpSpPr/>
+        <p:nvPr/>
+      </p:nvGrpSpPr>
+      <p:grpSpPr>
+        <a:xfrm>
+          <a:off x="0" y="0"/>
+          <a:ext cx="0" cy="0"/>
+          <a:chOff x="0" y="0"/>
+          <a:chExt cx="0" cy="0"/>
+        </a:xfrm>
+      </p:grpSpPr>
+      <p:sp>
+        <p:nvSpPr>
+          <p:cNvPr id="2" name="标题 1"/>
+          <p:cNvSpPr>
+            <a:spLocks noGrp="1"/>
+          </p:cNvSpPr>
+          <p:nvPr>
+            <p:ph type="title"/>
+          </p:nvPr>
+        </p:nvSpPr>
+        <p:spPr/>
+        <p:txBody>
+          <a:bodyPr/>
+          <a:lstStyle/>
+          <a:p>
+            <a:r>
+              <a:rPr lang="zh-CN" altLang="en-US" dirty="0" smtClean="0"/>
+              <a:t>语法糖</a:t>
+            </a:r>
+            <a:endParaRPr lang="zh-CN" altLang="en-US" dirty="0"/>
+          </a:p>
+        </p:txBody>
+      </p:sp>
+      <p:sp>
+        <p:nvSpPr>
+          <p:cNvPr id="3" name="内容占位符 2"/>
+          <p:cNvSpPr>
+            <a:spLocks noGrp="1"/>
+          </p:cNvSpPr>
+          <p:nvPr>
+            <p:ph idx="1"/>
+          </p:nvPr>
+        </p:nvSpPr>
+        <p:spPr/>
+        <p:txBody>
+          <a:bodyPr/>
+          <a:lstStyle/>
+          <a:p>
+            <a:r>
+              <a:rPr lang="en-US" altLang="zh-CN" dirty="0" err="1" smtClean="0"/>
+              <a:t>Glob:glob.glob</a:t>
+            </a:r>
+            <a:r>
+              <a:rPr lang="en-US" altLang="zh-CN" dirty="0" smtClean="0"/>
+              <a:t>()</a:t>
+            </a:r>
+          </a:p>
+          <a:p>
+            <a:r>
+              <a:rPr lang="en-US" altLang="zh-CN" dirty="0" smtClean="0"/>
+              <a:t>Split :</a:t>
+            </a:r>
+            <a:r>
+              <a:rPr lang="en-US" altLang="zh-CN" dirty="0" err="1" smtClean="0"/>
+              <a:t>str.split</a:t>
+            </a:r>
+            <a:r>
+              <a:rPr lang="en-US" altLang="zh-CN" dirty="0" smtClean="0"/>
+              <a:t>()</a:t>
+            </a:r>
+            <a:endParaRPr lang="zh-CN" altLang="en-US" dirty="0"/>
+          </a:p>
+        </p:txBody>
+      </p:sp>
+    </p:spTree>
+    <p:extLst>
+      <p:ext uri="{BB962C8B-B14F-4D97-AF65-F5344CB8AC3E}">
+        <p14:creationId xmlns:p14="http://schemas.microsoft.com/office/powerpoint/2010/main" val="3866608108"/>
       </p:ext>
     </p:extLst>
   </p:cSld>
@@ -4523,7 +7006,6 @@
               <a:rPr lang="en-US" altLang="zh-CN" dirty="0" smtClean="0"/>
               <a:t>Python setup.py install</a:t>
             </a:r>
-            <a:endParaRPr lang="en-US" altLang="zh-CN" dirty="0" smtClean="0"/>
           </a:p>
           <a:p>
             <a:r>
@@ -4912,6 +7394,33 @@
             <a:r>
               <a:rPr lang="en-US" altLang="zh-CN" dirty="0" smtClean="0"/>
               <a:t>')</a:t>
+            </a:r>
+          </a:p>
+          <a:p>
+            <a:pPr lvl="1"/>
+            <a:r>
+              <a:rPr lang="zh-CN" altLang="en-US" dirty="0" smtClean="0"/>
+              <a:t>参数接受一个列表，并返回一个列表</a:t>
+            </a:r>
+            <a:endParaRPr lang="en-US" altLang="zh-CN" dirty="0" smtClean="0"/>
+          </a:p>
+          <a:p>
+            <a:pPr lvl="1"/>
+            <a:r>
+              <a:rPr lang="en-US" altLang="zh-CN" dirty="0" smtClean="0"/>
+              <a:t>Program</a:t>
+            </a:r>
+            <a:r>
+              <a:rPr lang="zh-CN" altLang="en-US" dirty="0" smtClean="0"/>
+              <a:t>等类似，可以添加关键字参数</a:t>
+            </a:r>
+            <a:r>
+              <a:rPr lang="en-US" altLang="zh-CN" dirty="0" err="1" smtClean="0"/>
+              <a:t>eg.CCFAGS</a:t>
+            </a:r>
+            <a:r>
+              <a:rPr lang="en-US" altLang="zh-CN" dirty="0" smtClean="0"/>
+              <a:t>=‘-DHELLO’</a:t>
             </a:r>
             <a:endParaRPr lang="zh-CN" altLang="en-US" dirty="0"/>
           </a:p>
